--- a/short/slides.pptx
+++ b/short/slides.pptx
@@ -1283,7 +1283,7 @@
   <p:cSld>
     <p:spTree>
       <p:nvGrpSpPr>
-        <p:cNvPr id="225" name="Shape 225"/>
+        <p:cNvPr id="238" name="Shape 238"/>
         <p:cNvGrpSpPr/>
         <p:nvPr/>
       </p:nvGrpSpPr>
@@ -1297,7 +1297,7 @@
       </p:grpSpPr>
       <p:sp>
         <p:nvSpPr>
-          <p:cNvPr id="226" name="Google Shape;226;p11:notes"/>
+          <p:cNvPr id="239" name="Google Shape;239;p11:notes"/>
           <p:cNvSpPr txBox="1"/>
           <p:nvPr>
             <p:ph idx="1" type="body"/>
@@ -1336,7 +1336,7 @@
       </p:sp>
       <p:sp>
         <p:nvSpPr>
-          <p:cNvPr id="227" name="Google Shape;227;p11:notes"/>
+          <p:cNvPr id="240" name="Google Shape;240;p11:notes"/>
           <p:cNvSpPr/>
           <p:nvPr>
             <p:ph idx="2" type="sldImg"/>
@@ -1476,7 +1476,20 @@
                 <a:cs typeface="Arial"/>
                 <a:sym typeface="Arial"/>
               </a:rPr>
-              <a:t>A lot has been said about stack safety, mostly through the use of examples, like this one. We can clearly see that f’s private data being overwritten is a violation, but what does that mean formally?</a:t>
+              <a:t>A lot has been said about stack safety, mostly through the use of examples, like this one. We can clearly see that f’s private data being read, and then overwritten, </a:t>
+            </a:r>
+            <a:r>
+              <a:rPr lang="en-US" sz="2000"/>
+              <a:t>are </a:t>
+            </a:r>
+            <a:r>
+              <a:rPr b="0" lang="en-US" sz="2000" strike="noStrike">
+                <a:latin typeface="Arial"/>
+                <a:ea typeface="Arial"/>
+                <a:cs typeface="Arial"/>
+                <a:sym typeface="Arial"/>
+              </a:rPr>
+              <a:t>violations, but what does that mean formally?</a:t>
             </a:r>
             <a:endParaRPr b="0" sz="2000" strike="noStrike">
               <a:latin typeface="Arial"/>
@@ -1994,7 +2007,11 @@
                 <a:cs typeface="Arial"/>
                 <a:sym typeface="Arial"/>
               </a:rPr>
-              <a:t>Confidentiality is defined in terms of non-interference. Any entry can have its stack scrambled and the scrambled variant will step in unison with the original until both reach the return target – when the stack pointer is restored, and the PC is at the return address.</a:t>
+              <a:t>Confidentiality is defined in terms of non-interference. Any entry can have its stack scrambled and the scrambled variant will step in unison with the original until both return</a:t>
+            </a:r>
+            <a:r>
+              <a:rPr lang="en-US" sz="2000"/>
+              <a:t>.</a:t>
             </a:r>
             <a:endParaRPr b="0" sz="2000" strike="noStrike">
               <a:latin typeface="Arial"/>
@@ -2018,7 +2035,7 @@
   <p:cSld>
     <p:spTree>
       <p:nvGrpSpPr>
-        <p:cNvPr id="194" name="Shape 194"/>
+        <p:cNvPr id="208" name="Shape 208"/>
         <p:cNvGrpSpPr/>
         <p:nvPr/>
       </p:nvGrpSpPr>
@@ -2032,7 +2049,7 @@
       </p:grpSpPr>
       <p:sp>
         <p:nvSpPr>
-          <p:cNvPr id="195" name="Google Shape;195;p8:notes"/>
+          <p:cNvPr id="209" name="Google Shape;209;p8:notes"/>
           <p:cNvSpPr txBox="1"/>
           <p:nvPr>
             <p:ph idx="1" type="body"/>
@@ -2071,7 +2088,7 @@
       </p:sp>
       <p:sp>
         <p:nvSpPr>
-          <p:cNvPr id="196" name="Google Shape;196;p8:notes"/>
+          <p:cNvPr id="210" name="Google Shape;210;p8:notes"/>
           <p:cNvSpPr/>
           <p:nvPr>
             <p:ph idx="2" type="sldImg"/>
@@ -2117,7 +2134,7 @@
   <p:cSld>
     <p:spTree>
       <p:nvGrpSpPr>
-        <p:cNvPr id="200" name="Shape 200"/>
+        <p:cNvPr id="214" name="Shape 214"/>
         <p:cNvGrpSpPr/>
         <p:nvPr/>
       </p:nvGrpSpPr>
@@ -2131,7 +2148,7 @@
       </p:grpSpPr>
       <p:sp>
         <p:nvSpPr>
-          <p:cNvPr id="201" name="Google Shape;201;p9:notes"/>
+          <p:cNvPr id="215" name="Google Shape;215;p9:notes"/>
           <p:cNvSpPr/>
           <p:nvPr>
             <p:ph idx="2" type="sldImg"/>
@@ -2170,7 +2187,7 @@
       </p:sp>
       <p:sp>
         <p:nvSpPr>
-          <p:cNvPr id="202" name="Google Shape;202;p9:notes"/>
+          <p:cNvPr id="216" name="Google Shape;216;p9:notes"/>
           <p:cNvSpPr txBox="1"/>
           <p:nvPr>
             <p:ph idx="1" type="body"/>
@@ -2327,7 +2344,7 @@
   <p:cSld>
     <p:spTree>
       <p:nvGrpSpPr>
-        <p:cNvPr id="219" name="Shape 219"/>
+        <p:cNvPr id="232" name="Shape 232"/>
         <p:cNvGrpSpPr/>
         <p:nvPr/>
       </p:nvGrpSpPr>
@@ -2341,7 +2358,7 @@
       </p:grpSpPr>
       <p:sp>
         <p:nvSpPr>
-          <p:cNvPr id="220" name="Google Shape;220;p10:notes"/>
+          <p:cNvPr id="233" name="Google Shape;233;p10:notes"/>
           <p:cNvSpPr txBox="1"/>
           <p:nvPr>
             <p:ph idx="1" type="body"/>
@@ -2380,7 +2397,7 @@
       </p:sp>
       <p:sp>
         <p:nvSpPr>
-          <p:cNvPr id="221" name="Google Shape;221;p10:notes"/>
+          <p:cNvPr id="234" name="Google Shape;234;p10:notes"/>
           <p:cNvSpPr/>
           <p:nvPr>
             <p:ph idx="2" type="sldImg"/>
@@ -8859,7 +8876,7 @@
   <p:cSld>
     <p:spTree>
       <p:nvGrpSpPr>
-        <p:cNvPr id="228" name="Shape 228"/>
+        <p:cNvPr id="241" name="Shape 241"/>
         <p:cNvGrpSpPr/>
         <p:nvPr/>
       </p:nvGrpSpPr>
@@ -8873,7 +8890,7 @@
       </p:grpSpPr>
       <p:sp>
         <p:nvSpPr>
-          <p:cNvPr id="229" name="Google Shape;229;p23"/>
+          <p:cNvPr id="242" name="Google Shape;242;p23"/>
           <p:cNvSpPr txBox="1"/>
           <p:nvPr/>
         </p:nvSpPr>
@@ -8925,7 +8942,7 @@
       </p:sp>
       <p:sp>
         <p:nvSpPr>
-          <p:cNvPr id="230" name="Google Shape;230;p23"/>
+          <p:cNvPr id="243" name="Google Shape;243;p23"/>
           <p:cNvSpPr txBox="1"/>
           <p:nvPr/>
         </p:nvSpPr>
@@ -9044,7 +9061,7 @@
       </p:sp>
       <p:sp>
         <p:nvSpPr>
-          <p:cNvPr id="231" name="Google Shape;231;p23"/>
+          <p:cNvPr id="244" name="Google Shape;244;p23"/>
           <p:cNvSpPr txBox="1"/>
           <p:nvPr/>
         </p:nvSpPr>
@@ -9362,7 +9379,34 @@
               <a:buNone/>
             </a:pPr>
             <a:r>
+              <a:rPr lang="en-US" sz="1800">
+                <a:highlight>
+                  <a:srgbClr val="EA9999"/>
+                </a:highlight>
+              </a:rPr>
+              <a:t>    s = *(&amp;s-2);</a:t>
+            </a:r>
+            <a:endParaRPr sz="1800">
+              <a:highlight>
+                <a:srgbClr val="EA9999"/>
+              </a:highlight>
+            </a:endParaRPr>
+          </a:p>
+          <a:p>
+            <a:pPr indent="0" lvl="0" marL="0" marR="0" rtl="0" algn="l">
+              <a:spcBef>
+                <a:spcPts val="0"/>
+              </a:spcBef>
+              <a:spcAft>
+                <a:spcPts val="0"/>
+              </a:spcAft>
+              <a:buNone/>
+            </a:pPr>
+            <a:r>
               <a:rPr b="0" lang="en-US" sz="1800" strike="noStrike">
+                <a:highlight>
+                  <a:srgbClr val="9FC5E8"/>
+                </a:highlight>
                 <a:latin typeface="Arial"/>
                 <a:ea typeface="Arial"/>
                 <a:cs typeface="Arial"/>
@@ -9371,6 +9415,9 @@
               <a:t>    *(&amp;s-2) = 1;</a:t>
             </a:r>
             <a:endParaRPr b="0" sz="1800" strike="noStrike">
+              <a:highlight>
+                <a:srgbClr val="9FC5E8"/>
+              </a:highlight>
               <a:latin typeface="Arial"/>
               <a:ea typeface="Arial"/>
               <a:cs typeface="Arial"/>
@@ -9829,217 +9876,8 @@
         </p:nvSpPr>
         <p:spPr>
           <a:xfrm>
-            <a:off x="6667200" y="2381400"/>
-            <a:ext cx="1143000" cy="685800"/>
-          </a:xfrm>
-          <a:custGeom>
-            <a:rect b="b" l="l" r="r" t="t"/>
-            <a:pathLst>
-              <a:path extrusionOk="0" h="1907" w="3177">
-                <a:moveTo>
-                  <a:pt x="317" y="0"/>
-                </a:moveTo>
-                <a:cubicBezTo>
-                  <a:pt x="158" y="0"/>
-                  <a:pt x="0" y="158"/>
-                  <a:pt x="0" y="317"/>
-                </a:cubicBezTo>
-                <a:lnTo>
-                  <a:pt x="0" y="1588"/>
-                </a:lnTo>
-                <a:cubicBezTo>
-                  <a:pt x="0" y="1747"/>
-                  <a:pt x="158" y="1906"/>
-                  <a:pt x="317" y="1906"/>
-                </a:cubicBezTo>
-                <a:lnTo>
-                  <a:pt x="2858" y="1906"/>
-                </a:lnTo>
-                <a:cubicBezTo>
-                  <a:pt x="3017" y="1906"/>
-                  <a:pt x="3176" y="1747"/>
-                  <a:pt x="3176" y="1588"/>
-                </a:cubicBezTo>
-                <a:lnTo>
-                  <a:pt x="3176" y="317"/>
-                </a:lnTo>
-                <a:cubicBezTo>
-                  <a:pt x="3176" y="158"/>
-                  <a:pt x="3017" y="0"/>
-                  <a:pt x="2858" y="0"/>
-                </a:cubicBezTo>
-                <a:lnTo>
-                  <a:pt x="317" y="0"/>
-                </a:lnTo>
-              </a:path>
-            </a:pathLst>
-          </a:custGeom>
-          <a:noFill/>
-          <a:ln cap="flat" cmpd="sng" w="9525">
-            <a:solidFill>
-              <a:srgbClr val="3465A4"/>
-            </a:solidFill>
-            <a:prstDash val="solid"/>
-            <a:round/>
-            <a:headEnd len="sm" w="sm" type="none"/>
-            <a:tailEnd len="sm" w="sm" type="none"/>
-          </a:ln>
-        </p:spPr>
-        <p:txBody>
-          <a:bodyPr anchorCtr="0" anchor="ctr" bIns="45000" lIns="90000" spcFirstLastPara="1" rIns="90000" wrap="square" tIns="45000">
-            <a:noAutofit/>
-          </a:bodyPr>
-          <a:lstStyle/>
-          <a:p>
-            <a:pPr indent="0" lvl="0" marL="0" marR="0" rtl="0" algn="ctr">
-              <a:spcBef>
-                <a:spcPts val="0"/>
-              </a:spcBef>
-              <a:spcAft>
-                <a:spcPts val="0"/>
-              </a:spcAft>
-              <a:buNone/>
-            </a:pPr>
-            <a:r>
-              <a:rPr b="0" lang="en-US" sz="1800" strike="noStrike">
-                <a:latin typeface="Arial"/>
-                <a:ea typeface="Arial"/>
-                <a:cs typeface="Arial"/>
-                <a:sym typeface="Arial"/>
-              </a:rPr>
-              <a:t>PC</a:t>
-            </a:r>
-            <a:endParaRPr b="0" sz="1800" strike="noStrike">
-              <a:latin typeface="Arial"/>
-              <a:ea typeface="Arial"/>
-              <a:cs typeface="Arial"/>
-              <a:sym typeface="Arial"/>
-            </a:endParaRPr>
-          </a:p>
-        </p:txBody>
-      </p:sp>
-      <p:sp>
-        <p:nvSpPr>
-          <p:cNvPr id="87" name="Google Shape;87;p15"/>
-          <p:cNvSpPr/>
-          <p:nvPr/>
-        </p:nvSpPr>
-        <p:spPr>
-          <a:xfrm>
-            <a:off x="7016400" y="3295800"/>
-            <a:ext cx="457200" cy="685800"/>
-          </a:xfrm>
-          <a:custGeom>
-            <a:rect b="b" l="l" r="r" t="t"/>
-            <a:pathLst>
-              <a:path extrusionOk="0" h="1907" w="1272">
-                <a:moveTo>
-                  <a:pt x="317" y="0"/>
-                </a:moveTo>
-                <a:lnTo>
-                  <a:pt x="317" y="1429"/>
-                </a:lnTo>
-                <a:lnTo>
-                  <a:pt x="0" y="1429"/>
-                </a:lnTo>
-                <a:lnTo>
-                  <a:pt x="635" y="1906"/>
-                </a:lnTo>
-                <a:lnTo>
-                  <a:pt x="1271" y="1429"/>
-                </a:lnTo>
-                <a:lnTo>
-                  <a:pt x="953" y="1429"/>
-                </a:lnTo>
-                <a:lnTo>
-                  <a:pt x="953" y="0"/>
-                </a:lnTo>
-                <a:lnTo>
-                  <a:pt x="317" y="0"/>
-                </a:lnTo>
-              </a:path>
-            </a:pathLst>
-          </a:custGeom>
-          <a:solidFill>
-            <a:srgbClr val="729FCF"/>
-          </a:solidFill>
-          <a:ln cap="flat" cmpd="sng" w="9525">
-            <a:solidFill>
-              <a:srgbClr val="3465A4"/>
-            </a:solidFill>
-            <a:prstDash val="solid"/>
-            <a:round/>
-            <a:headEnd len="sm" w="sm" type="none"/>
-            <a:tailEnd len="sm" w="sm" type="none"/>
-          </a:ln>
-        </p:spPr>
-      </p:sp>
-      <p:sp>
-        <p:nvSpPr>
-          <p:cNvPr id="88" name="Google Shape;88;p15"/>
-          <p:cNvSpPr/>
-          <p:nvPr/>
-        </p:nvSpPr>
-        <p:spPr>
-          <a:xfrm>
-            <a:off x="5524200" y="4210200"/>
-            <a:ext cx="685800" cy="457200"/>
-          </a:xfrm>
-          <a:custGeom>
-            <a:rect b="b" l="l" r="r" t="t"/>
-            <a:pathLst>
-              <a:path extrusionOk="0" h="1272" w="1907">
-                <a:moveTo>
-                  <a:pt x="1906" y="317"/>
-                </a:moveTo>
-                <a:lnTo>
-                  <a:pt x="476" y="317"/>
-                </a:lnTo>
-                <a:lnTo>
-                  <a:pt x="476" y="0"/>
-                </a:lnTo>
-                <a:lnTo>
-                  <a:pt x="0" y="635"/>
-                </a:lnTo>
-                <a:lnTo>
-                  <a:pt x="476" y="1271"/>
-                </a:lnTo>
-                <a:lnTo>
-                  <a:pt x="476" y="953"/>
-                </a:lnTo>
-                <a:lnTo>
-                  <a:pt x="1906" y="953"/>
-                </a:lnTo>
-                <a:lnTo>
-                  <a:pt x="1906" y="317"/>
-                </a:lnTo>
-              </a:path>
-            </a:pathLst>
-          </a:custGeom>
-          <a:solidFill>
-            <a:srgbClr val="FF0000"/>
-          </a:solidFill>
-          <a:ln cap="flat" cmpd="sng" w="9525">
-            <a:solidFill>
-              <a:srgbClr val="3465A4"/>
-            </a:solidFill>
-            <a:prstDash val="solid"/>
-            <a:round/>
-            <a:headEnd len="sm" w="sm" type="none"/>
-            <a:tailEnd len="sm" w="sm" type="none"/>
-          </a:ln>
-        </p:spPr>
-      </p:sp>
-      <p:sp>
-        <p:nvSpPr>
-          <p:cNvPr id="89" name="Google Shape;89;p15"/>
-          <p:cNvSpPr/>
-          <p:nvPr/>
-        </p:nvSpPr>
-        <p:spPr>
-          <a:xfrm>
-            <a:off x="6400800" y="4210200"/>
-            <a:ext cx="1828800" cy="457200"/>
+            <a:off x="6400800" y="4591200"/>
+            <a:ext cx="1828796" cy="457201"/>
           </a:xfrm>
           <a:custGeom>
             <a:rect b="b" l="l" r="r" t="t"/>
@@ -10083,7 +9921,9 @@
               </a:path>
             </a:pathLst>
           </a:custGeom>
-          <a:noFill/>
+          <a:solidFill>
+            <a:srgbClr val="9FC5E8"/>
+          </a:solidFill>
           <a:ln cap="flat" cmpd="sng" w="9525">
             <a:solidFill>
               <a:srgbClr val="3465A4"/>
@@ -10132,7 +9972,7 @@
       </p:sp>
       <p:sp>
         <p:nvSpPr>
-          <p:cNvPr id="90" name="Google Shape;90;p15"/>
+          <p:cNvPr id="87" name="Google Shape;87;p15"/>
           <p:cNvSpPr txBox="1"/>
           <p:nvPr/>
         </p:nvSpPr>
@@ -10174,6 +10014,224 @@
               <a:cs typeface="Arial"/>
               <a:sym typeface="Arial"/>
             </a:endParaRPr>
+          </a:p>
+        </p:txBody>
+      </p:sp>
+      <p:sp>
+        <p:nvSpPr>
+          <p:cNvPr id="88" name="Google Shape;88;p15"/>
+          <p:cNvSpPr/>
+          <p:nvPr/>
+        </p:nvSpPr>
+        <p:spPr>
+          <a:xfrm>
+            <a:off x="6400800" y="3634250"/>
+            <a:ext cx="1828796" cy="457201"/>
+          </a:xfrm>
+          <a:custGeom>
+            <a:rect b="b" l="l" r="r" t="t"/>
+            <a:pathLst>
+              <a:path extrusionOk="0" h="1272" w="5082">
+                <a:moveTo>
+                  <a:pt x="211" y="0"/>
+                </a:moveTo>
+                <a:cubicBezTo>
+                  <a:pt x="105" y="0"/>
+                  <a:pt x="0" y="105"/>
+                  <a:pt x="0" y="211"/>
+                </a:cubicBezTo>
+                <a:lnTo>
+                  <a:pt x="0" y="1059"/>
+                </a:lnTo>
+                <a:cubicBezTo>
+                  <a:pt x="0" y="1165"/>
+                  <a:pt x="105" y="1271"/>
+                  <a:pt x="211" y="1271"/>
+                </a:cubicBezTo>
+                <a:lnTo>
+                  <a:pt x="4869" y="1271"/>
+                </a:lnTo>
+                <a:cubicBezTo>
+                  <a:pt x="4975" y="1271"/>
+                  <a:pt x="5081" y="1165"/>
+                  <a:pt x="5081" y="1059"/>
+                </a:cubicBezTo>
+                <a:lnTo>
+                  <a:pt x="5081" y="211"/>
+                </a:lnTo>
+                <a:cubicBezTo>
+                  <a:pt x="5081" y="105"/>
+                  <a:pt x="4975" y="0"/>
+                  <a:pt x="4869" y="0"/>
+                </a:cubicBezTo>
+                <a:lnTo>
+                  <a:pt x="211" y="0"/>
+                </a:lnTo>
+              </a:path>
+            </a:pathLst>
+          </a:custGeom>
+          <a:solidFill>
+            <a:srgbClr val="EA9999"/>
+          </a:solidFill>
+          <a:ln cap="flat" cmpd="sng" w="9525">
+            <a:solidFill>
+              <a:srgbClr val="3465A4"/>
+            </a:solidFill>
+            <a:prstDash val="solid"/>
+            <a:round/>
+            <a:headEnd len="sm" w="sm" type="none"/>
+            <a:tailEnd len="sm" w="sm" type="none"/>
+          </a:ln>
+        </p:spPr>
+        <p:txBody>
+          <a:bodyPr anchorCtr="0" anchor="ctr" bIns="45000" lIns="90000" spcFirstLastPara="1" rIns="90000" wrap="square" tIns="45000">
+            <a:noAutofit/>
+          </a:bodyPr>
+          <a:lstStyle/>
+          <a:p>
+            <a:pPr indent="0" lvl="0" marL="0" marR="0" rtl="0" algn="ctr">
+              <a:lnSpc>
+                <a:spcPct val="100000"/>
+              </a:lnSpc>
+              <a:spcBef>
+                <a:spcPts val="0"/>
+              </a:spcBef>
+              <a:spcAft>
+                <a:spcPts val="0"/>
+              </a:spcAft>
+              <a:buNone/>
+            </a:pPr>
+            <a:r>
+              <a:rPr b="0" lang="en-US" sz="1800" strike="noStrike">
+                <a:latin typeface="Arial"/>
+                <a:ea typeface="Arial"/>
+                <a:cs typeface="Arial"/>
+                <a:sym typeface="Arial"/>
+              </a:rPr>
+              <a:t>mov -3(%sp),</a:t>
+            </a:r>
+            <a:r>
+              <a:rPr lang="en-US" sz="1800"/>
+              <a:t>r</a:t>
+            </a:r>
+            <a:r>
+              <a:rPr baseline="-25000" lang="en-US" sz="1800"/>
+              <a:t>1</a:t>
+            </a:r>
+            <a:endParaRPr b="0" baseline="-25000" sz="1800" strike="noStrike">
+              <a:latin typeface="Arial"/>
+              <a:ea typeface="Arial"/>
+              <a:cs typeface="Arial"/>
+              <a:sym typeface="Arial"/>
+            </a:endParaRPr>
+          </a:p>
+        </p:txBody>
+      </p:sp>
+      <p:sp>
+        <p:nvSpPr>
+          <p:cNvPr id="89" name="Google Shape;89;p15"/>
+          <p:cNvSpPr/>
+          <p:nvPr/>
+        </p:nvSpPr>
+        <p:spPr>
+          <a:xfrm>
+            <a:off x="5088975" y="3792950"/>
+            <a:ext cx="1188000" cy="346200"/>
+          </a:xfrm>
+          <a:prstGeom prst="bentArrow">
+            <a:avLst>
+              <a:gd fmla="val 25000" name="adj1"/>
+              <a:gd fmla="val 25000" name="adj2"/>
+              <a:gd fmla="val 25000" name="adj3"/>
+              <a:gd fmla="val 43750" name="adj4"/>
+            </a:avLst>
+          </a:prstGeom>
+          <a:solidFill>
+            <a:schemeClr val="lt2"/>
+          </a:solidFill>
+          <a:ln cap="flat" cmpd="sng" w="9525">
+            <a:solidFill>
+              <a:schemeClr val="dk2"/>
+            </a:solidFill>
+            <a:prstDash val="solid"/>
+            <a:round/>
+            <a:headEnd len="sm" w="sm" type="none"/>
+            <a:tailEnd len="sm" w="sm" type="none"/>
+          </a:ln>
+        </p:spPr>
+        <p:txBody>
+          <a:bodyPr anchorCtr="0" anchor="ctr" bIns="91425" lIns="91425" spcFirstLastPara="1" rIns="91425" wrap="square" tIns="91425">
+            <a:noAutofit/>
+          </a:bodyPr>
+          <a:lstStyle/>
+          <a:p>
+            <a:pPr indent="0" lvl="0" marL="0" rtl="0" algn="l">
+              <a:spcBef>
+                <a:spcPts val="0"/>
+              </a:spcBef>
+              <a:spcAft>
+                <a:spcPts val="0"/>
+              </a:spcAft>
+              <a:buNone/>
+            </a:pPr>
+            <a:r>
+              <a:t/>
+            </a:r>
+            <a:endParaRPr/>
+          </a:p>
+        </p:txBody>
+      </p:sp>
+      <p:sp>
+        <p:nvSpPr>
+          <p:cNvPr id="90" name="Google Shape;90;p15"/>
+          <p:cNvSpPr/>
+          <p:nvPr/>
+        </p:nvSpPr>
+        <p:spPr>
+          <a:xfrm rot="-5400000">
+            <a:off x="5449425" y="4045100"/>
+            <a:ext cx="366000" cy="1246500"/>
+          </a:xfrm>
+          <a:prstGeom prst="bentArrow">
+            <a:avLst>
+              <a:gd fmla="val 25000" name="adj1"/>
+              <a:gd fmla="val 25000" name="adj2"/>
+              <a:gd fmla="val 25000" name="adj3"/>
+              <a:gd fmla="val 43750" name="adj4"/>
+            </a:avLst>
+          </a:prstGeom>
+          <a:solidFill>
+            <a:schemeClr val="lt2"/>
+          </a:solidFill>
+          <a:ln cap="flat" cmpd="sng" w="9525">
+            <a:solidFill>
+              <a:schemeClr val="dk2"/>
+            </a:solidFill>
+            <a:prstDash val="solid"/>
+            <a:round/>
+            <a:headEnd len="sm" w="sm" type="none"/>
+            <a:tailEnd len="sm" w="sm" type="none"/>
+          </a:ln>
+        </p:spPr>
+        <p:txBody>
+          <a:bodyPr anchorCtr="0" anchor="ctr" bIns="91425" lIns="91425" spcFirstLastPara="1" rIns="91425" wrap="square" tIns="91425">
+            <a:noAutofit/>
+          </a:bodyPr>
+          <a:lstStyle/>
+          <a:p>
+            <a:pPr indent="0" lvl="0" marL="0" rtl="0" algn="l">
+              <a:spcBef>
+                <a:spcPts val="0"/>
+              </a:spcBef>
+              <a:spcAft>
+                <a:spcPts val="0"/>
+              </a:spcAft>
+              <a:buNone/>
+            </a:pPr>
+            <a:r>
+              <a:t/>
+            </a:r>
+            <a:endParaRPr/>
           </a:p>
         </p:txBody>
       </p:sp>
@@ -10237,26 +10295,8 @@
               <a:buNone/>
             </a:pPr>
             <a:r>
-              <a:rPr b="0" lang="en-US" sz="4400" strike="noStrike">
-                <a:latin typeface="Arial"/>
-                <a:ea typeface="Arial"/>
-                <a:cs typeface="Arial"/>
-                <a:sym typeface="Arial"/>
-              </a:rPr>
-              <a:t>But we define</a:t>
-            </a:r>
-            <a:r>
               <a:rPr lang="en-US" sz="4400"/>
-              <a:t> </a:t>
-            </a:r>
-            <a:r>
-              <a:rPr b="0" lang="en-US" sz="4400" strike="noStrike">
-                <a:latin typeface="Arial"/>
-                <a:ea typeface="Arial"/>
-                <a:cs typeface="Arial"/>
-                <a:sym typeface="Arial"/>
-              </a:rPr>
-              <a:t>stack safety as...</a:t>
+              <a:t>Lets define it as a security property</a:t>
             </a:r>
             <a:endParaRPr b="0" sz="4400" strike="noStrike">
               <a:latin typeface="Arial"/>
@@ -14918,178 +14958,22 @@
           </a:p>
         </p:txBody>
       </p:sp>
-      <p:cxnSp>
-        <p:nvCxnSpPr>
-          <p:cNvPr id="170" name="Google Shape;170;p19"/>
-          <p:cNvCxnSpPr/>
-          <p:nvPr/>
-        </p:nvCxnSpPr>
-        <p:spPr>
-          <a:xfrm>
-            <a:off x="4673471" y="1209376"/>
-            <a:ext cx="0" cy="3084900"/>
-          </a:xfrm>
-          <a:prstGeom prst="straightConnector1">
-            <a:avLst/>
-          </a:prstGeom>
-          <a:noFill/>
-          <a:ln cap="flat" cmpd="sng" w="9525">
-            <a:solidFill>
-              <a:srgbClr val="3465A4"/>
-            </a:solidFill>
-            <a:prstDash val="solid"/>
-            <a:round/>
-            <a:headEnd len="sm" w="sm" type="none"/>
-            <a:tailEnd len="sm" w="sm" type="none"/>
-          </a:ln>
-        </p:spPr>
-      </p:cxnSp>
-      <p:cxnSp>
-        <p:nvCxnSpPr>
-          <p:cNvPr id="171" name="Google Shape;171;p19"/>
-          <p:cNvCxnSpPr/>
-          <p:nvPr/>
-        </p:nvCxnSpPr>
-        <p:spPr>
-          <a:xfrm>
-            <a:off x="5639732" y="1209915"/>
-            <a:ext cx="0" cy="3084900"/>
-          </a:xfrm>
-          <a:prstGeom prst="straightConnector1">
-            <a:avLst/>
-          </a:prstGeom>
-          <a:noFill/>
-          <a:ln cap="flat" cmpd="sng" w="9525">
-            <a:solidFill>
-              <a:srgbClr val="3465A4"/>
-            </a:solidFill>
-            <a:prstDash val="solid"/>
-            <a:round/>
-            <a:headEnd len="sm" w="sm" type="none"/>
-            <a:tailEnd len="sm" w="sm" type="none"/>
-          </a:ln>
-        </p:spPr>
-      </p:cxnSp>
-      <p:cxnSp>
-        <p:nvCxnSpPr>
-          <p:cNvPr id="172" name="Google Shape;172;p19"/>
-          <p:cNvCxnSpPr/>
-          <p:nvPr/>
-        </p:nvCxnSpPr>
-        <p:spPr>
-          <a:xfrm>
-            <a:off x="4673471" y="4294140"/>
-            <a:ext cx="966300" cy="300"/>
-          </a:xfrm>
-          <a:prstGeom prst="straightConnector1">
-            <a:avLst/>
-          </a:prstGeom>
-          <a:noFill/>
-          <a:ln cap="flat" cmpd="sng" w="9525">
-            <a:solidFill>
-              <a:srgbClr val="3465A4"/>
-            </a:solidFill>
-            <a:prstDash val="solid"/>
-            <a:round/>
-            <a:headEnd len="sm" w="sm" type="none"/>
-            <a:tailEnd len="sm" w="sm" type="none"/>
-          </a:ln>
-        </p:spPr>
-      </p:cxnSp>
-      <p:cxnSp>
-        <p:nvCxnSpPr>
-          <p:cNvPr id="173" name="Google Shape;173;p19"/>
-          <p:cNvCxnSpPr/>
-          <p:nvPr/>
-        </p:nvCxnSpPr>
-        <p:spPr>
-          <a:xfrm>
-            <a:off x="4673471" y="3395969"/>
-            <a:ext cx="966300" cy="300"/>
-          </a:xfrm>
-          <a:prstGeom prst="straightConnector1">
-            <a:avLst/>
-          </a:prstGeom>
-          <a:noFill/>
-          <a:ln cap="flat" cmpd="sng" w="9525">
-            <a:solidFill>
-              <a:srgbClr val="3465A4"/>
-            </a:solidFill>
-            <a:prstDash val="solid"/>
-            <a:round/>
-            <a:headEnd len="sm" w="sm" type="none"/>
-            <a:tailEnd len="sm" w="sm" type="none"/>
-          </a:ln>
-        </p:spPr>
-      </p:cxnSp>
-      <p:cxnSp>
-        <p:nvCxnSpPr>
-          <p:cNvPr id="174" name="Google Shape;174;p19"/>
-          <p:cNvCxnSpPr/>
-          <p:nvPr/>
-        </p:nvCxnSpPr>
-        <p:spPr>
-          <a:xfrm>
-            <a:off x="4673471" y="2481965"/>
-            <a:ext cx="966300" cy="300"/>
-          </a:xfrm>
-          <a:prstGeom prst="straightConnector1">
-            <a:avLst/>
-          </a:prstGeom>
-          <a:noFill/>
-          <a:ln cap="flat" cmpd="sng" w="9525">
-            <a:solidFill>
-              <a:srgbClr val="3465A4"/>
-            </a:solidFill>
-            <a:prstDash val="solid"/>
-            <a:round/>
-            <a:headEnd len="sm" w="sm" type="none"/>
-            <a:tailEnd len="sm" w="sm" type="none"/>
-          </a:ln>
-        </p:spPr>
-      </p:cxnSp>
-      <p:cxnSp>
-        <p:nvCxnSpPr>
-          <p:cNvPr id="175" name="Google Shape;175;p19"/>
-          <p:cNvCxnSpPr/>
-          <p:nvPr/>
-        </p:nvCxnSpPr>
-        <p:spPr>
-          <a:xfrm>
-            <a:off x="4673471" y="1567961"/>
-            <a:ext cx="966300" cy="300"/>
-          </a:xfrm>
-          <a:prstGeom prst="straightConnector1">
-            <a:avLst/>
-          </a:prstGeom>
-          <a:noFill/>
-          <a:ln cap="flat" cmpd="sng" w="9525">
-            <a:solidFill>
-              <a:srgbClr val="3465A4"/>
-            </a:solidFill>
-            <a:prstDash val="solid"/>
-            <a:round/>
-            <a:headEnd len="sm" w="sm" type="none"/>
-            <a:tailEnd len="sm" w="sm" type="none"/>
-          </a:ln>
-        </p:spPr>
-      </p:cxnSp>
       <p:sp>
         <p:nvSpPr>
-          <p:cNvPr id="176" name="Google Shape;176;p19"/>
+          <p:cNvPr id="170" name="Google Shape;170;p19"/>
           <p:cNvSpPr/>
           <p:nvPr/>
         </p:nvSpPr>
         <p:spPr>
           <a:xfrm>
-            <a:off x="2021559" y="2397401"/>
-            <a:ext cx="721800" cy="685800"/>
+            <a:off x="2451177" y="2556129"/>
+            <a:ext cx="833100" cy="791700"/>
           </a:xfrm>
           <a:prstGeom prst="ellipse">
             <a:avLst/>
           </a:prstGeom>
           <a:solidFill>
-            <a:srgbClr val="FFE599"/>
+            <a:srgbClr val="E06666"/>
           </a:solidFill>
           <a:ln cap="flat" cmpd="sng" w="9525">
             <a:solidFill>
@@ -15125,14 +15009,14 @@
       </p:sp>
       <p:sp>
         <p:nvSpPr>
-          <p:cNvPr id="177" name="Google Shape;177;p19"/>
+          <p:cNvPr id="171" name="Google Shape;171;p19"/>
           <p:cNvSpPr/>
           <p:nvPr/>
         </p:nvSpPr>
         <p:spPr>
           <a:xfrm>
-            <a:off x="1706601" y="2910876"/>
-            <a:ext cx="386700" cy="685800"/>
+            <a:off x="2087600" y="3148865"/>
+            <a:ext cx="446400" cy="791700"/>
           </a:xfrm>
           <a:prstGeom prst="upArrow">
             <a:avLst>
@@ -15177,14 +15061,14 @@
       </p:sp>
       <p:sp>
         <p:nvSpPr>
-          <p:cNvPr id="178" name="Google Shape;178;p19"/>
+          <p:cNvPr id="172" name="Google Shape;172;p19"/>
           <p:cNvSpPr/>
           <p:nvPr/>
         </p:nvSpPr>
         <p:spPr>
           <a:xfrm>
-            <a:off x="1706601" y="1882622"/>
-            <a:ext cx="386700" cy="685800"/>
+            <a:off x="2087600" y="1961886"/>
+            <a:ext cx="446400" cy="791700"/>
           </a:xfrm>
           <a:prstGeom prst="upArrow">
             <a:avLst>
@@ -15229,20 +15113,20 @@
       </p:sp>
       <p:sp>
         <p:nvSpPr>
-          <p:cNvPr id="179" name="Google Shape;179;p19"/>
+          <p:cNvPr id="173" name="Google Shape;173;p19"/>
           <p:cNvSpPr/>
           <p:nvPr/>
         </p:nvSpPr>
         <p:spPr>
           <a:xfrm>
-            <a:off x="2021559" y="1369147"/>
-            <a:ext cx="721800" cy="685800"/>
+            <a:off x="2451177" y="1369151"/>
+            <a:ext cx="833100" cy="791700"/>
           </a:xfrm>
           <a:prstGeom prst="ellipse">
             <a:avLst/>
           </a:prstGeom>
           <a:solidFill>
-            <a:srgbClr val="EA9999"/>
+            <a:srgbClr val="FFE599"/>
           </a:solidFill>
           <a:ln cap="flat" cmpd="sng" w="9525">
             <a:solidFill>
@@ -15278,14 +15162,14 @@
       </p:sp>
       <p:sp>
         <p:nvSpPr>
-          <p:cNvPr id="180" name="Google Shape;180;p19"/>
+          <p:cNvPr id="174" name="Google Shape;174;p19"/>
           <p:cNvSpPr/>
           <p:nvPr/>
         </p:nvSpPr>
         <p:spPr>
           <a:xfrm>
-            <a:off x="2025950" y="3477475"/>
-            <a:ext cx="721800" cy="685500"/>
+            <a:off x="2456246" y="3802925"/>
+            <a:ext cx="833100" cy="791400"/>
           </a:xfrm>
           <a:prstGeom prst="ellipse">
             <a:avLst/>
@@ -15327,14 +15211,14 @@
       </p:sp>
       <p:cxnSp>
         <p:nvCxnSpPr>
-          <p:cNvPr id="181" name="Google Shape;181;p19"/>
+          <p:cNvPr id="175" name="Google Shape;175;p19"/>
           <p:cNvCxnSpPr/>
           <p:nvPr/>
         </p:nvCxnSpPr>
         <p:spPr>
           <a:xfrm>
-            <a:off x="3301871" y="1209376"/>
-            <a:ext cx="0" cy="3084900"/>
+            <a:off x="3929129" y="1655406"/>
+            <a:ext cx="0" cy="3090900"/>
           </a:xfrm>
           <a:prstGeom prst="straightConnector1">
             <a:avLst/>
@@ -15353,14 +15237,14 @@
       </p:cxnSp>
       <p:cxnSp>
         <p:nvCxnSpPr>
-          <p:cNvPr id="182" name="Google Shape;182;p19"/>
+          <p:cNvPr id="176" name="Google Shape;176;p19"/>
           <p:cNvCxnSpPr/>
           <p:nvPr/>
         </p:nvCxnSpPr>
         <p:spPr>
           <a:xfrm>
-            <a:off x="4268132" y="1209915"/>
-            <a:ext cx="0" cy="3084900"/>
+            <a:off x="4781337" y="1655946"/>
+            <a:ext cx="0" cy="3090900"/>
           </a:xfrm>
           <a:prstGeom prst="straightConnector1">
             <a:avLst/>
@@ -15379,14 +15263,14 @@
       </p:cxnSp>
       <p:cxnSp>
         <p:nvCxnSpPr>
-          <p:cNvPr id="183" name="Google Shape;183;p19"/>
+          <p:cNvPr id="177" name="Google Shape;177;p19"/>
           <p:cNvCxnSpPr/>
           <p:nvPr/>
         </p:nvCxnSpPr>
         <p:spPr>
           <a:xfrm>
-            <a:off x="3301871" y="4294140"/>
-            <a:ext cx="966300" cy="300"/>
+            <a:off x="3929128" y="4745844"/>
+            <a:ext cx="852300" cy="300"/>
           </a:xfrm>
           <a:prstGeom prst="straightConnector1">
             <a:avLst/>
@@ -15405,14 +15289,14 @@
       </p:cxnSp>
       <p:cxnSp>
         <p:nvCxnSpPr>
-          <p:cNvPr id="184" name="Google Shape;184;p19"/>
+          <p:cNvPr id="178" name="Google Shape;178;p19"/>
           <p:cNvCxnSpPr/>
           <p:nvPr/>
         </p:nvCxnSpPr>
         <p:spPr>
           <a:xfrm>
-            <a:off x="3301871" y="3395969"/>
-            <a:ext cx="966300" cy="300"/>
+            <a:off x="3929128" y="4129609"/>
+            <a:ext cx="852300" cy="300"/>
           </a:xfrm>
           <a:prstGeom prst="straightConnector1">
             <a:avLst/>
@@ -15429,16 +15313,142 @@
           </a:ln>
         </p:spPr>
       </p:cxnSp>
+      <p:sp>
+        <p:nvSpPr>
+          <p:cNvPr id="179" name="Google Shape;179;p19"/>
+          <p:cNvSpPr txBox="1"/>
+          <p:nvPr/>
+        </p:nvSpPr>
+        <p:spPr>
+          <a:xfrm>
+            <a:off x="4194922" y="4234454"/>
+            <a:ext cx="446400" cy="400200"/>
+          </a:xfrm>
+          <a:prstGeom prst="rect">
+            <a:avLst/>
+          </a:prstGeom>
+          <a:noFill/>
+          <a:ln>
+            <a:noFill/>
+          </a:ln>
+        </p:spPr>
+        <p:txBody>
+          <a:bodyPr anchorCtr="0" anchor="t" bIns="91425" lIns="91425" spcFirstLastPara="1" rIns="91425" wrap="square" tIns="91425">
+            <a:spAutoFit/>
+          </a:bodyPr>
+          <a:lstStyle/>
+          <a:p>
+            <a:pPr indent="0" lvl="0" marL="0" rtl="0" algn="l">
+              <a:spcBef>
+                <a:spcPts val="0"/>
+              </a:spcBef>
+              <a:spcAft>
+                <a:spcPts val="0"/>
+              </a:spcAft>
+              <a:buNone/>
+            </a:pPr>
+            <a:r>
+              <a:rPr lang="en-US"/>
+              <a:t>0</a:t>
+            </a:r>
+            <a:endParaRPr/>
+          </a:p>
+        </p:txBody>
+      </p:sp>
+      <p:sp>
+        <p:nvSpPr>
+          <p:cNvPr id="180" name="Google Shape;180;p19"/>
+          <p:cNvSpPr txBox="1"/>
+          <p:nvPr/>
+        </p:nvSpPr>
+        <p:spPr>
+          <a:xfrm>
+            <a:off x="4194922" y="3618717"/>
+            <a:ext cx="446400" cy="400200"/>
+          </a:xfrm>
+          <a:prstGeom prst="rect">
+            <a:avLst/>
+          </a:prstGeom>
+          <a:noFill/>
+          <a:ln>
+            <a:noFill/>
+          </a:ln>
+        </p:spPr>
+        <p:txBody>
+          <a:bodyPr anchorCtr="0" anchor="t" bIns="91425" lIns="91425" spcFirstLastPara="1" rIns="91425" wrap="square" tIns="91425">
+            <a:spAutoFit/>
+          </a:bodyPr>
+          <a:lstStyle/>
+          <a:p>
+            <a:pPr indent="0" lvl="0" marL="0" rtl="0" algn="l">
+              <a:spcBef>
+                <a:spcPts val="0"/>
+              </a:spcBef>
+              <a:spcAft>
+                <a:spcPts val="0"/>
+              </a:spcAft>
+              <a:buNone/>
+            </a:pPr>
+            <a:r>
+              <a:rPr lang="en-US"/>
+              <a:t>0</a:t>
+            </a:r>
+            <a:endParaRPr/>
+          </a:p>
+        </p:txBody>
+      </p:sp>
+      <p:sp>
+        <p:nvSpPr>
+          <p:cNvPr id="181" name="Google Shape;181;p19"/>
+          <p:cNvSpPr txBox="1"/>
+          <p:nvPr/>
+        </p:nvSpPr>
+        <p:spPr>
+          <a:xfrm>
+            <a:off x="4194922" y="3090943"/>
+            <a:ext cx="446400" cy="400200"/>
+          </a:xfrm>
+          <a:prstGeom prst="rect">
+            <a:avLst/>
+          </a:prstGeom>
+          <a:noFill/>
+          <a:ln>
+            <a:noFill/>
+          </a:ln>
+        </p:spPr>
+        <p:txBody>
+          <a:bodyPr anchorCtr="0" anchor="t" bIns="91425" lIns="91425" spcFirstLastPara="1" rIns="91425" wrap="square" tIns="91425">
+            <a:spAutoFit/>
+          </a:bodyPr>
+          <a:lstStyle/>
+          <a:p>
+            <a:pPr indent="0" lvl="0" marL="0" rtl="0" algn="l">
+              <a:spcBef>
+                <a:spcPts val="0"/>
+              </a:spcBef>
+              <a:spcAft>
+                <a:spcPts val="0"/>
+              </a:spcAft>
+              <a:buNone/>
+            </a:pPr>
+            <a:r>
+              <a:rPr lang="en-US"/>
+              <a:t>0</a:t>
+            </a:r>
+            <a:endParaRPr/>
+          </a:p>
+        </p:txBody>
+      </p:sp>
       <p:cxnSp>
         <p:nvCxnSpPr>
-          <p:cNvPr id="185" name="Google Shape;185;p19"/>
+          <p:cNvPr id="182" name="Google Shape;182;p19"/>
           <p:cNvCxnSpPr/>
           <p:nvPr/>
         </p:nvCxnSpPr>
         <p:spPr>
           <a:xfrm>
-            <a:off x="3301871" y="2481965"/>
-            <a:ext cx="966300" cy="300"/>
+            <a:off x="3929128" y="2986099"/>
+            <a:ext cx="852300" cy="300"/>
           </a:xfrm>
           <a:prstGeom prst="straightConnector1">
             <a:avLst/>
@@ -15455,16 +15465,66 @@
           </a:ln>
         </p:spPr>
       </p:cxnSp>
+      <p:sp>
+        <p:nvSpPr>
+          <p:cNvPr id="183" name="Google Shape;183;p19"/>
+          <p:cNvSpPr txBox="1"/>
+          <p:nvPr/>
+        </p:nvSpPr>
+        <p:spPr>
+          <a:xfrm>
+            <a:off x="4194922" y="3618717"/>
+            <a:ext cx="446400" cy="400200"/>
+          </a:xfrm>
+          <a:prstGeom prst="rect">
+            <a:avLst/>
+          </a:prstGeom>
+          <a:noFill/>
+          <a:ln>
+            <a:noFill/>
+          </a:ln>
+        </p:spPr>
+        <p:txBody>
+          <a:bodyPr anchorCtr="0" anchor="t" bIns="91425" lIns="91425" spcFirstLastPara="1" rIns="91425" wrap="square" tIns="91425">
+            <a:spAutoFit/>
+          </a:bodyPr>
+          <a:lstStyle/>
+          <a:p>
+            <a:pPr indent="0" lvl="0" marL="0" rtl="0" algn="l">
+              <a:spcBef>
+                <a:spcPts val="0"/>
+              </a:spcBef>
+              <a:spcAft>
+                <a:spcPts val="0"/>
+              </a:spcAft>
+              <a:buNone/>
+            </a:pPr>
+            <a:r>
+              <a:rPr b="1" lang="en-US">
+                <a:solidFill>
+                  <a:srgbClr val="0000FF"/>
+                </a:solidFill>
+              </a:rPr>
+              <a:t>r</a:t>
+            </a:r>
+            <a:endParaRPr b="1">
+              <a:solidFill>
+                <a:srgbClr val="0000FF"/>
+              </a:solidFill>
+            </a:endParaRPr>
+          </a:p>
+        </p:txBody>
+      </p:sp>
       <p:cxnSp>
         <p:nvCxnSpPr>
-          <p:cNvPr id="186" name="Google Shape;186;p19"/>
+          <p:cNvPr id="184" name="Google Shape;184;p19"/>
           <p:cNvCxnSpPr/>
           <p:nvPr/>
         </p:nvCxnSpPr>
         <p:spPr>
           <a:xfrm>
-            <a:off x="3301871" y="1567961"/>
-            <a:ext cx="966300" cy="300"/>
+            <a:off x="5336533" y="1655406"/>
+            <a:ext cx="0" cy="3090900"/>
           </a:xfrm>
           <a:prstGeom prst="straightConnector1">
             <a:avLst/>
@@ -15483,14 +15543,14 @@
       </p:cxnSp>
       <p:cxnSp>
         <p:nvCxnSpPr>
-          <p:cNvPr id="187" name="Google Shape;187;p19"/>
+          <p:cNvPr id="185" name="Google Shape;185;p19"/>
           <p:cNvCxnSpPr/>
           <p:nvPr/>
         </p:nvCxnSpPr>
         <p:spPr>
           <a:xfrm>
-            <a:off x="6045071" y="1209376"/>
-            <a:ext cx="0" cy="3084900"/>
+            <a:off x="6188741" y="1655946"/>
+            <a:ext cx="0" cy="3090900"/>
           </a:xfrm>
           <a:prstGeom prst="straightConnector1">
             <a:avLst/>
@@ -15509,14 +15569,14 @@
       </p:cxnSp>
       <p:cxnSp>
         <p:nvCxnSpPr>
-          <p:cNvPr id="188" name="Google Shape;188;p19"/>
+          <p:cNvPr id="186" name="Google Shape;186;p19"/>
           <p:cNvCxnSpPr/>
           <p:nvPr/>
         </p:nvCxnSpPr>
         <p:spPr>
           <a:xfrm>
-            <a:off x="7011332" y="1209915"/>
-            <a:ext cx="0" cy="3084900"/>
+            <a:off x="5336530" y="4745844"/>
+            <a:ext cx="852300" cy="300"/>
           </a:xfrm>
           <a:prstGeom prst="straightConnector1">
             <a:avLst/>
@@ -15533,16 +15593,58 @@
           </a:ln>
         </p:spPr>
       </p:cxnSp>
+      <p:sp>
+        <p:nvSpPr>
+          <p:cNvPr id="187" name="Google Shape;187;p19"/>
+          <p:cNvSpPr txBox="1"/>
+          <p:nvPr/>
+        </p:nvSpPr>
+        <p:spPr>
+          <a:xfrm>
+            <a:off x="5602324" y="4234454"/>
+            <a:ext cx="446400" cy="400200"/>
+          </a:xfrm>
+          <a:prstGeom prst="rect">
+            <a:avLst/>
+          </a:prstGeom>
+          <a:noFill/>
+          <a:ln>
+            <a:noFill/>
+          </a:ln>
+        </p:spPr>
+        <p:txBody>
+          <a:bodyPr anchorCtr="0" anchor="t" bIns="91425" lIns="91425" spcFirstLastPara="1" rIns="91425" wrap="square" tIns="91425">
+            <a:spAutoFit/>
+          </a:bodyPr>
+          <a:lstStyle/>
+          <a:p>
+            <a:pPr indent="0" lvl="0" marL="0" rtl="0" algn="l">
+              <a:spcBef>
+                <a:spcPts val="0"/>
+              </a:spcBef>
+              <a:spcAft>
+                <a:spcPts val="0"/>
+              </a:spcAft>
+              <a:buNone/>
+            </a:pPr>
+            <a:r>
+              <a:rPr lang="en-US"/>
+              <a:t>5</a:t>
+            </a:r>
+            <a:endParaRPr/>
+          </a:p>
+        </p:txBody>
+      </p:sp>
       <p:cxnSp>
         <p:nvCxnSpPr>
-          <p:cNvPr id="189" name="Google Shape;189;p19"/>
+          <p:cNvPr id="188" name="Google Shape;188;p19"/>
           <p:cNvCxnSpPr/>
           <p:nvPr/>
         </p:nvCxnSpPr>
         <p:spPr>
           <a:xfrm>
-            <a:off x="6045071" y="4294140"/>
-            <a:ext cx="966300" cy="300"/>
+            <a:off x="5336530" y="2986099"/>
+            <a:ext cx="852300" cy="300"/>
           </a:xfrm>
           <a:prstGeom prst="straightConnector1">
             <a:avLst/>
@@ -15559,16 +15661,276 @@
           </a:ln>
         </p:spPr>
       </p:cxnSp>
+      <p:sp>
+        <p:nvSpPr>
+          <p:cNvPr id="189" name="Google Shape;189;p19"/>
+          <p:cNvSpPr txBox="1"/>
+          <p:nvPr/>
+        </p:nvSpPr>
+        <p:spPr>
+          <a:xfrm>
+            <a:off x="5602324" y="3618717"/>
+            <a:ext cx="446400" cy="400200"/>
+          </a:xfrm>
+          <a:prstGeom prst="rect">
+            <a:avLst/>
+          </a:prstGeom>
+          <a:noFill/>
+          <a:ln>
+            <a:noFill/>
+          </a:ln>
+        </p:spPr>
+        <p:txBody>
+          <a:bodyPr anchorCtr="0" anchor="t" bIns="91425" lIns="91425" spcFirstLastPara="1" rIns="91425" wrap="square" tIns="91425">
+            <a:spAutoFit/>
+          </a:bodyPr>
+          <a:lstStyle/>
+          <a:p>
+            <a:pPr indent="0" lvl="0" marL="0" rtl="0" algn="l">
+              <a:spcBef>
+                <a:spcPts val="0"/>
+              </a:spcBef>
+              <a:spcAft>
+                <a:spcPts val="0"/>
+              </a:spcAft>
+              <a:buNone/>
+            </a:pPr>
+            <a:r>
+              <a:rPr b="1" lang="en-US">
+                <a:solidFill>
+                  <a:srgbClr val="0000FF"/>
+                </a:solidFill>
+              </a:rPr>
+              <a:t>r</a:t>
+            </a:r>
+            <a:endParaRPr b="1">
+              <a:solidFill>
+                <a:srgbClr val="0000FF"/>
+              </a:solidFill>
+            </a:endParaRPr>
+          </a:p>
+        </p:txBody>
+      </p:sp>
+      <p:sp>
+        <p:nvSpPr>
+          <p:cNvPr id="190" name="Google Shape;190;p19"/>
+          <p:cNvSpPr txBox="1"/>
+          <p:nvPr/>
+        </p:nvSpPr>
+        <p:spPr>
+          <a:xfrm>
+            <a:off x="5602324" y="3090943"/>
+            <a:ext cx="446400" cy="400200"/>
+          </a:xfrm>
+          <a:prstGeom prst="rect">
+            <a:avLst/>
+          </a:prstGeom>
+          <a:noFill/>
+          <a:ln>
+            <a:noFill/>
+          </a:ln>
+        </p:spPr>
+        <p:txBody>
+          <a:bodyPr anchorCtr="0" anchor="t" bIns="91425" lIns="91425" spcFirstLastPara="1" rIns="91425" wrap="square" tIns="91425">
+            <a:spAutoFit/>
+          </a:bodyPr>
+          <a:lstStyle/>
+          <a:p>
+            <a:pPr indent="0" lvl="0" marL="0" rtl="0" algn="l">
+              <a:spcBef>
+                <a:spcPts val="0"/>
+              </a:spcBef>
+              <a:spcAft>
+                <a:spcPts val="0"/>
+              </a:spcAft>
+              <a:buNone/>
+            </a:pPr>
+            <a:r>
+              <a:rPr lang="en-US"/>
+              <a:t>7</a:t>
+            </a:r>
+            <a:endParaRPr/>
+          </a:p>
+        </p:txBody>
+      </p:sp>
+      <p:sp>
+        <p:nvSpPr>
+          <p:cNvPr id="191" name="Google Shape;191;p19"/>
+          <p:cNvSpPr txBox="1"/>
+          <p:nvPr/>
+        </p:nvSpPr>
+        <p:spPr>
+          <a:xfrm>
+            <a:off x="5602324" y="2475206"/>
+            <a:ext cx="446400" cy="400200"/>
+          </a:xfrm>
+          <a:prstGeom prst="rect">
+            <a:avLst/>
+          </a:prstGeom>
+          <a:noFill/>
+          <a:ln>
+            <a:noFill/>
+          </a:ln>
+        </p:spPr>
+        <p:txBody>
+          <a:bodyPr anchorCtr="0" anchor="t" bIns="91425" lIns="91425" spcFirstLastPara="1" rIns="91425" wrap="square" tIns="91425">
+            <a:spAutoFit/>
+          </a:bodyPr>
+          <a:lstStyle/>
+          <a:p>
+            <a:pPr indent="0" lvl="0" marL="0" rtl="0" algn="l">
+              <a:spcBef>
+                <a:spcPts val="0"/>
+              </a:spcBef>
+              <a:spcAft>
+                <a:spcPts val="0"/>
+              </a:spcAft>
+              <a:buNone/>
+            </a:pPr>
+            <a:r>
+              <a:rPr lang="en-US"/>
+              <a:t>6</a:t>
+            </a:r>
+            <a:endParaRPr/>
+          </a:p>
+        </p:txBody>
+      </p:sp>
+      <p:sp>
+        <p:nvSpPr>
+          <p:cNvPr id="192" name="Google Shape;192;p19"/>
+          <p:cNvSpPr txBox="1"/>
+          <p:nvPr/>
+        </p:nvSpPr>
+        <p:spPr>
+          <a:xfrm>
+            <a:off x="5602324" y="2035394"/>
+            <a:ext cx="446400" cy="400200"/>
+          </a:xfrm>
+          <a:prstGeom prst="rect">
+            <a:avLst/>
+          </a:prstGeom>
+          <a:noFill/>
+          <a:ln>
+            <a:noFill/>
+          </a:ln>
+        </p:spPr>
+        <p:txBody>
+          <a:bodyPr anchorCtr="0" anchor="t" bIns="91425" lIns="91425" spcFirstLastPara="1" rIns="91425" wrap="square" tIns="91425">
+            <a:spAutoFit/>
+          </a:bodyPr>
+          <a:lstStyle/>
+          <a:p>
+            <a:pPr indent="0" lvl="0" marL="0" rtl="0" algn="l">
+              <a:spcBef>
+                <a:spcPts val="0"/>
+              </a:spcBef>
+              <a:spcAft>
+                <a:spcPts val="0"/>
+              </a:spcAft>
+              <a:buNone/>
+            </a:pPr>
+            <a:r>
+              <a:rPr lang="en-US"/>
+              <a:t>8</a:t>
+            </a:r>
+            <a:endParaRPr/>
+          </a:p>
+        </p:txBody>
+      </p:sp>
+      <p:sp>
+        <p:nvSpPr>
+          <p:cNvPr id="193" name="Google Shape;193;p19"/>
+          <p:cNvSpPr txBox="1"/>
+          <p:nvPr/>
+        </p:nvSpPr>
+        <p:spPr>
+          <a:xfrm>
+            <a:off x="4194922" y="2475206"/>
+            <a:ext cx="446400" cy="400200"/>
+          </a:xfrm>
+          <a:prstGeom prst="rect">
+            <a:avLst/>
+          </a:prstGeom>
+          <a:noFill/>
+          <a:ln>
+            <a:noFill/>
+          </a:ln>
+        </p:spPr>
+        <p:txBody>
+          <a:bodyPr anchorCtr="0" anchor="t" bIns="91425" lIns="91425" spcFirstLastPara="1" rIns="91425" wrap="square" tIns="91425">
+            <a:spAutoFit/>
+          </a:bodyPr>
+          <a:lstStyle/>
+          <a:p>
+            <a:pPr indent="0" lvl="0" marL="0" rtl="0" algn="l">
+              <a:spcBef>
+                <a:spcPts val="0"/>
+              </a:spcBef>
+              <a:spcAft>
+                <a:spcPts val="0"/>
+              </a:spcAft>
+              <a:buNone/>
+            </a:pPr>
+            <a:r>
+              <a:rPr lang="en-US"/>
+              <a:t>0</a:t>
+            </a:r>
+            <a:endParaRPr/>
+          </a:p>
+        </p:txBody>
+      </p:sp>
+      <p:sp>
+        <p:nvSpPr>
+          <p:cNvPr id="194" name="Google Shape;194;p19"/>
+          <p:cNvSpPr txBox="1"/>
+          <p:nvPr/>
+        </p:nvSpPr>
+        <p:spPr>
+          <a:xfrm>
+            <a:off x="4194922" y="2035394"/>
+            <a:ext cx="446400" cy="400200"/>
+          </a:xfrm>
+          <a:prstGeom prst="rect">
+            <a:avLst/>
+          </a:prstGeom>
+          <a:noFill/>
+          <a:ln>
+            <a:noFill/>
+          </a:ln>
+        </p:spPr>
+        <p:txBody>
+          <a:bodyPr anchorCtr="0" anchor="t" bIns="91425" lIns="91425" spcFirstLastPara="1" rIns="91425" wrap="square" tIns="91425">
+            <a:spAutoFit/>
+          </a:bodyPr>
+          <a:lstStyle/>
+          <a:p>
+            <a:pPr indent="0" lvl="0" marL="0" rtl="0" algn="l">
+              <a:spcBef>
+                <a:spcPts val="0"/>
+              </a:spcBef>
+              <a:spcAft>
+                <a:spcPts val="0"/>
+              </a:spcAft>
+              <a:buNone/>
+            </a:pPr>
+            <a:r>
+              <a:rPr lang="en-US"/>
+              <a:t>0</a:t>
+            </a:r>
+            <a:endParaRPr/>
+          </a:p>
+        </p:txBody>
+      </p:sp>
       <p:cxnSp>
         <p:nvCxnSpPr>
-          <p:cNvPr id="190" name="Google Shape;190;p19"/>
+          <p:cNvPr id="195" name="Google Shape;195;p19"/>
           <p:cNvCxnSpPr/>
           <p:nvPr/>
         </p:nvCxnSpPr>
         <p:spPr>
           <a:xfrm>
-            <a:off x="6045071" y="3395969"/>
-            <a:ext cx="966300" cy="300"/>
+            <a:off x="3929128" y="2018512"/>
+            <a:ext cx="852300" cy="300"/>
           </a:xfrm>
           <a:prstGeom prst="straightConnector1">
             <a:avLst/>
@@ -15587,14 +15949,14 @@
       </p:cxnSp>
       <p:cxnSp>
         <p:nvCxnSpPr>
-          <p:cNvPr id="191" name="Google Shape;191;p19"/>
+          <p:cNvPr id="196" name="Google Shape;196;p19"/>
           <p:cNvCxnSpPr/>
           <p:nvPr/>
         </p:nvCxnSpPr>
         <p:spPr>
           <a:xfrm>
-            <a:off x="6045071" y="2481965"/>
-            <a:ext cx="966300" cy="300"/>
+            <a:off x="5336530" y="2018512"/>
+            <a:ext cx="852300" cy="300"/>
           </a:xfrm>
           <a:prstGeom prst="straightConnector1">
             <a:avLst/>
@@ -15613,14 +15975,14 @@
       </p:cxnSp>
       <p:cxnSp>
         <p:nvCxnSpPr>
-          <p:cNvPr id="192" name="Google Shape;192;p19"/>
+          <p:cNvPr id="197" name="Google Shape;197;p19"/>
           <p:cNvCxnSpPr/>
           <p:nvPr/>
         </p:nvCxnSpPr>
         <p:spPr>
           <a:xfrm>
-            <a:off x="6045071" y="1567961"/>
-            <a:ext cx="966300" cy="300"/>
+            <a:off x="6743935" y="1655406"/>
+            <a:ext cx="0" cy="3090900"/>
           </a:xfrm>
           <a:prstGeom prst="straightConnector1">
             <a:avLst/>
@@ -15637,16 +15999,68 @@
           </a:ln>
         </p:spPr>
       </p:cxnSp>
+      <p:cxnSp>
+        <p:nvCxnSpPr>
+          <p:cNvPr id="198" name="Google Shape;198;p19"/>
+          <p:cNvCxnSpPr/>
+          <p:nvPr/>
+        </p:nvCxnSpPr>
+        <p:spPr>
+          <a:xfrm>
+            <a:off x="7596143" y="1655946"/>
+            <a:ext cx="0" cy="3090900"/>
+          </a:xfrm>
+          <a:prstGeom prst="straightConnector1">
+            <a:avLst/>
+          </a:prstGeom>
+          <a:noFill/>
+          <a:ln cap="flat" cmpd="sng" w="9525">
+            <a:solidFill>
+              <a:srgbClr val="3465A4"/>
+            </a:solidFill>
+            <a:prstDash val="solid"/>
+            <a:round/>
+            <a:headEnd len="sm" w="sm" type="none"/>
+            <a:tailEnd len="sm" w="sm" type="none"/>
+          </a:ln>
+        </p:spPr>
+      </p:cxnSp>
+      <p:cxnSp>
+        <p:nvCxnSpPr>
+          <p:cNvPr id="199" name="Google Shape;199;p19"/>
+          <p:cNvCxnSpPr/>
+          <p:nvPr/>
+        </p:nvCxnSpPr>
+        <p:spPr>
+          <a:xfrm>
+            <a:off x="6743932" y="4745844"/>
+            <a:ext cx="852300" cy="300"/>
+          </a:xfrm>
+          <a:prstGeom prst="straightConnector1">
+            <a:avLst/>
+          </a:prstGeom>
+          <a:noFill/>
+          <a:ln cap="flat" cmpd="sng" w="9525">
+            <a:solidFill>
+              <a:srgbClr val="3465A4"/>
+            </a:solidFill>
+            <a:prstDash val="solid"/>
+            <a:round/>
+            <a:headEnd len="sm" w="sm" type="none"/>
+            <a:tailEnd len="sm" w="sm" type="none"/>
+          </a:ln>
+        </p:spPr>
+      </p:cxnSp>
       <p:sp>
         <p:nvSpPr>
-          <p:cNvPr id="193" name="Google Shape;193;p19"/>
+          <p:cNvPr id="200" name="Google Shape;200;p19"/>
           <p:cNvSpPr txBox="1"/>
           <p:nvPr/>
         </p:nvSpPr>
         <p:spPr>
           <a:xfrm>
-            <a:off x="3550775" y="4548275"/>
-            <a:ext cx="6128100" cy="831300"/>
+            <a:off x="7009726" y="4234454"/>
+            <a:ext cx="446400" cy="400200"/>
           </a:xfrm>
           <a:prstGeom prst="rect">
             <a:avLst/>
@@ -15673,10 +16087,86 @@
             </a:pPr>
             <a:r>
               <a:rPr lang="en-US"/>
-              <a:t>I haven’t done the animating yet, but the idea is:</a:t>
+              <a:t>9</a:t>
             </a:r>
             <a:endParaRPr/>
           </a:p>
+        </p:txBody>
+      </p:sp>
+      <p:sp>
+        <p:nvSpPr>
+          <p:cNvPr id="201" name="Google Shape;201;p19"/>
+          <p:cNvSpPr txBox="1"/>
+          <p:nvPr/>
+        </p:nvSpPr>
+        <p:spPr>
+          <a:xfrm>
+            <a:off x="7009726" y="3618717"/>
+            <a:ext cx="446400" cy="400200"/>
+          </a:xfrm>
+          <a:prstGeom prst="rect">
+            <a:avLst/>
+          </a:prstGeom>
+          <a:noFill/>
+          <a:ln>
+            <a:noFill/>
+          </a:ln>
+        </p:spPr>
+        <p:txBody>
+          <a:bodyPr anchorCtr="0" anchor="t" bIns="91425" lIns="91425" spcFirstLastPara="1" rIns="91425" wrap="square" tIns="91425">
+            <a:spAutoFit/>
+          </a:bodyPr>
+          <a:lstStyle/>
+          <a:p>
+            <a:pPr indent="0" lvl="0" marL="0" rtl="0" algn="l">
+              <a:spcBef>
+                <a:spcPts val="0"/>
+              </a:spcBef>
+              <a:spcAft>
+                <a:spcPts val="0"/>
+              </a:spcAft>
+              <a:buNone/>
+            </a:pPr>
+            <a:r>
+              <a:rPr b="1" lang="en-US">
+                <a:solidFill>
+                  <a:srgbClr val="0000FF"/>
+                </a:solidFill>
+              </a:rPr>
+              <a:t>r</a:t>
+            </a:r>
+            <a:endParaRPr b="1">
+              <a:solidFill>
+                <a:srgbClr val="0000FF"/>
+              </a:solidFill>
+            </a:endParaRPr>
+          </a:p>
+        </p:txBody>
+      </p:sp>
+      <p:sp>
+        <p:nvSpPr>
+          <p:cNvPr id="202" name="Google Shape;202;p19"/>
+          <p:cNvSpPr txBox="1"/>
+          <p:nvPr/>
+        </p:nvSpPr>
+        <p:spPr>
+          <a:xfrm>
+            <a:off x="7009726" y="3090943"/>
+            <a:ext cx="446400" cy="400200"/>
+          </a:xfrm>
+          <a:prstGeom prst="rect">
+            <a:avLst/>
+          </a:prstGeom>
+          <a:noFill/>
+          <a:ln>
+            <a:noFill/>
+          </a:ln>
+        </p:spPr>
+        <p:txBody>
+          <a:bodyPr anchorCtr="0" anchor="t" bIns="91425" lIns="91425" spcFirstLastPara="1" rIns="91425" wrap="square" tIns="91425">
+            <a:spAutoFit/>
+          </a:bodyPr>
+          <a:lstStyle/>
           <a:p>
             <a:pPr indent="0" lvl="0" marL="0" rtl="0" algn="l">
               <a:spcBef>
@@ -15689,10 +16179,86 @@
             </a:pPr>
             <a:r>
               <a:rPr lang="en-US"/>
-              <a:t>each of these calls will have a variant stack and I’ll</a:t>
+              <a:t>0</a:t>
             </a:r>
             <a:endParaRPr/>
           </a:p>
+        </p:txBody>
+      </p:sp>
+      <p:sp>
+        <p:nvSpPr>
+          <p:cNvPr id="203" name="Google Shape;203;p19"/>
+          <p:cNvSpPr txBox="1"/>
+          <p:nvPr/>
+        </p:nvSpPr>
+        <p:spPr>
+          <a:xfrm>
+            <a:off x="7009726" y="2475206"/>
+            <a:ext cx="446400" cy="400200"/>
+          </a:xfrm>
+          <a:prstGeom prst="rect">
+            <a:avLst/>
+          </a:prstGeom>
+          <a:noFill/>
+          <a:ln>
+            <a:noFill/>
+          </a:ln>
+        </p:spPr>
+        <p:txBody>
+          <a:bodyPr anchorCtr="0" anchor="t" bIns="91425" lIns="91425" spcFirstLastPara="1" rIns="91425" wrap="square" tIns="91425">
+            <a:spAutoFit/>
+          </a:bodyPr>
+          <a:lstStyle/>
+          <a:p>
+            <a:pPr indent="0" lvl="0" marL="0" rtl="0" algn="l">
+              <a:spcBef>
+                <a:spcPts val="0"/>
+              </a:spcBef>
+              <a:spcAft>
+                <a:spcPts val="0"/>
+              </a:spcAft>
+              <a:buNone/>
+            </a:pPr>
+            <a:r>
+              <a:rPr b="1" lang="en-US">
+                <a:solidFill>
+                  <a:srgbClr val="CC0000"/>
+                </a:solidFill>
+              </a:rPr>
+              <a:t>r</a:t>
+            </a:r>
+            <a:endParaRPr b="1">
+              <a:solidFill>
+                <a:srgbClr val="CC0000"/>
+              </a:solidFill>
+            </a:endParaRPr>
+          </a:p>
+        </p:txBody>
+      </p:sp>
+      <p:sp>
+        <p:nvSpPr>
+          <p:cNvPr id="204" name="Google Shape;204;p19"/>
+          <p:cNvSpPr txBox="1"/>
+          <p:nvPr/>
+        </p:nvSpPr>
+        <p:spPr>
+          <a:xfrm>
+            <a:off x="7009726" y="2035394"/>
+            <a:ext cx="446400" cy="400200"/>
+          </a:xfrm>
+          <a:prstGeom prst="rect">
+            <a:avLst/>
+          </a:prstGeom>
+          <a:noFill/>
+          <a:ln>
+            <a:noFill/>
+          </a:ln>
+        </p:spPr>
+        <p:txBody>
+          <a:bodyPr anchorCtr="0" anchor="t" bIns="91425" lIns="91425" spcFirstLastPara="1" rIns="91425" wrap="square" tIns="91425">
+            <a:spAutoFit/>
+          </a:bodyPr>
+          <a:lstStyle/>
           <a:p>
             <a:pPr indent="0" lvl="0" marL="0" rtl="0" algn="l">
               <a:spcBef>
@@ -15705,13 +16271,135 @@
             </a:pPr>
             <a:r>
               <a:rPr lang="en-US"/>
-              <a:t>talk about how </a:t>
-            </a:r>
-            <a:r>
-              <a:rPr lang="en-US"/>
-              <a:t>we use noninterference in a nested setting.</a:t>
+              <a:t>3</a:t>
             </a:r>
             <a:endParaRPr/>
+          </a:p>
+        </p:txBody>
+      </p:sp>
+      <p:cxnSp>
+        <p:nvCxnSpPr>
+          <p:cNvPr id="205" name="Google Shape;205;p19"/>
+          <p:cNvCxnSpPr/>
+          <p:nvPr/>
+        </p:nvCxnSpPr>
+        <p:spPr>
+          <a:xfrm>
+            <a:off x="6743932" y="2018512"/>
+            <a:ext cx="852300" cy="300"/>
+          </a:xfrm>
+          <a:prstGeom prst="straightConnector1">
+            <a:avLst/>
+          </a:prstGeom>
+          <a:noFill/>
+          <a:ln cap="flat" cmpd="sng" w="9525">
+            <a:solidFill>
+              <a:srgbClr val="3465A4"/>
+            </a:solidFill>
+            <a:prstDash val="solid"/>
+            <a:round/>
+            <a:headEnd len="sm" w="sm" type="none"/>
+            <a:tailEnd len="sm" w="sm" type="none"/>
+          </a:ln>
+        </p:spPr>
+      </p:cxnSp>
+      <p:sp>
+        <p:nvSpPr>
+          <p:cNvPr id="206" name="Google Shape;206;p19"/>
+          <p:cNvSpPr txBox="1"/>
+          <p:nvPr/>
+        </p:nvSpPr>
+        <p:spPr>
+          <a:xfrm>
+            <a:off x="5602324" y="2475206"/>
+            <a:ext cx="446400" cy="400200"/>
+          </a:xfrm>
+          <a:prstGeom prst="rect">
+            <a:avLst/>
+          </a:prstGeom>
+          <a:noFill/>
+          <a:ln>
+            <a:noFill/>
+          </a:ln>
+        </p:spPr>
+        <p:txBody>
+          <a:bodyPr anchorCtr="0" anchor="t" bIns="91425" lIns="91425" spcFirstLastPara="1" rIns="91425" wrap="square" tIns="91425">
+            <a:spAutoFit/>
+          </a:bodyPr>
+          <a:lstStyle/>
+          <a:p>
+            <a:pPr indent="0" lvl="0" marL="0" rtl="0" algn="l">
+              <a:spcBef>
+                <a:spcPts val="0"/>
+              </a:spcBef>
+              <a:spcAft>
+                <a:spcPts val="0"/>
+              </a:spcAft>
+              <a:buNone/>
+            </a:pPr>
+            <a:r>
+              <a:rPr b="1" lang="en-US">
+                <a:solidFill>
+                  <a:srgbClr val="CC0000"/>
+                </a:solidFill>
+              </a:rPr>
+              <a:t>r</a:t>
+            </a:r>
+            <a:endParaRPr b="1">
+              <a:solidFill>
+                <a:srgbClr val="CC0000"/>
+              </a:solidFill>
+            </a:endParaRPr>
+          </a:p>
+        </p:txBody>
+      </p:sp>
+      <p:sp>
+        <p:nvSpPr>
+          <p:cNvPr id="207" name="Google Shape;207;p19"/>
+          <p:cNvSpPr txBox="1"/>
+          <p:nvPr/>
+        </p:nvSpPr>
+        <p:spPr>
+          <a:xfrm>
+            <a:off x="4194922" y="2475206"/>
+            <a:ext cx="446400" cy="400200"/>
+          </a:xfrm>
+          <a:prstGeom prst="rect">
+            <a:avLst/>
+          </a:prstGeom>
+          <a:noFill/>
+          <a:ln>
+            <a:noFill/>
+          </a:ln>
+        </p:spPr>
+        <p:txBody>
+          <a:bodyPr anchorCtr="0" anchor="t" bIns="91425" lIns="91425" spcFirstLastPara="1" rIns="91425" wrap="square" tIns="91425">
+            <a:spAutoFit/>
+          </a:bodyPr>
+          <a:lstStyle/>
+          <a:p>
+            <a:pPr indent="0" lvl="0" marL="0" rtl="0" algn="l">
+              <a:spcBef>
+                <a:spcPts val="0"/>
+              </a:spcBef>
+              <a:spcAft>
+                <a:spcPts val="0"/>
+              </a:spcAft>
+              <a:buNone/>
+            </a:pPr>
+            <a:r>
+              <a:rPr b="1" lang="en-US">
+                <a:solidFill>
+                  <a:srgbClr val="CC0000"/>
+                </a:solidFill>
+              </a:rPr>
+              <a:t>r</a:t>
+            </a:r>
+            <a:endParaRPr b="1">
+              <a:solidFill>
+                <a:srgbClr val="CC0000"/>
+              </a:solidFill>
+            </a:endParaRPr>
           </a:p>
         </p:txBody>
       </p:sp>
@@ -15720,6 +16408,1280 @@
   <p:clrMapOvr>
     <a:masterClrMapping/>
   </p:clrMapOvr>
+  <p:timing>
+    <p:tnLst>
+      <p:par>
+        <p:cTn dur="indefinite" nodeType="tmRoot" restart="never">
+          <p:childTnLst>
+            <p:seq concurrent="1" nextAc="seek">
+              <p:cTn dur="indefinite" id="2" nodeType="mainSeq">
+                <p:childTnLst>
+                  <p:par>
+                    <p:cTn fill="hold">
+                      <p:stCondLst>
+                        <p:cond delay="indefinite"/>
+                      </p:stCondLst>
+                      <p:childTnLst>
+                        <p:par>
+                          <p:cTn fill="hold">
+                            <p:stCondLst>
+                              <p:cond delay="0"/>
+                            </p:stCondLst>
+                            <p:childTnLst>
+                              <p:par>
+                                <p:cTn fill="hold" nodeType="clickEffect" presetClass="entr" presetID="10" presetSubtype="0">
+                                  <p:stCondLst>
+                                    <p:cond delay="0"/>
+                                  </p:stCondLst>
+                                  <p:childTnLst>
+                                    <p:set>
+                                      <p:cBhvr>
+                                        <p:cTn dur="1" fill="hold">
+                                          <p:stCondLst>
+                                            <p:cond delay="0"/>
+                                          </p:stCondLst>
+                                        </p:cTn>
+                                        <p:tgtEl>
+                                          <p:spTgt spid="170"/>
+                                        </p:tgtEl>
+                                        <p:attrNameLst>
+                                          <p:attrName>style.visibility</p:attrName>
+                                        </p:attrNameLst>
+                                      </p:cBhvr>
+                                      <p:to>
+                                        <p:strVal val="visible"/>
+                                      </p:to>
+                                    </p:set>
+                                    <p:animEffect filter="fade" transition="in">
+                                      <p:cBhvr>
+                                        <p:cTn dur="1000"/>
+                                        <p:tgtEl>
+                                          <p:spTgt spid="170"/>
+                                        </p:tgtEl>
+                                      </p:cBhvr>
+                                    </p:animEffect>
+                                  </p:childTnLst>
+                                </p:cTn>
+                              </p:par>
+                              <p:par>
+                                <p:cTn fill="hold" nodeType="withEffect" presetClass="entr" presetID="10" presetSubtype="0">
+                                  <p:stCondLst>
+                                    <p:cond delay="0"/>
+                                  </p:stCondLst>
+                                  <p:childTnLst>
+                                    <p:set>
+                                      <p:cBhvr>
+                                        <p:cTn dur="1" fill="hold">
+                                          <p:stCondLst>
+                                            <p:cond delay="0"/>
+                                          </p:stCondLst>
+                                        </p:cTn>
+                                        <p:tgtEl>
+                                          <p:spTgt spid="171"/>
+                                        </p:tgtEl>
+                                        <p:attrNameLst>
+                                          <p:attrName>style.visibility</p:attrName>
+                                        </p:attrNameLst>
+                                      </p:cBhvr>
+                                      <p:to>
+                                        <p:strVal val="visible"/>
+                                      </p:to>
+                                    </p:set>
+                                    <p:animEffect filter="fade" transition="in">
+                                      <p:cBhvr>
+                                        <p:cTn dur="1000"/>
+                                        <p:tgtEl>
+                                          <p:spTgt spid="171"/>
+                                        </p:tgtEl>
+                                      </p:cBhvr>
+                                    </p:animEffect>
+                                  </p:childTnLst>
+                                </p:cTn>
+                              </p:par>
+                              <p:par>
+                                <p:cTn fill="hold" nodeType="withEffect" presetClass="exit" presetID="10" presetSubtype="0">
+                                  <p:stCondLst>
+                                    <p:cond delay="0"/>
+                                  </p:stCondLst>
+                                  <p:childTnLst>
+                                    <p:animEffect filter="fade" transition="out">
+                                      <p:cBhvr>
+                                        <p:cTn dur="1000"/>
+                                        <p:tgtEl>
+                                          <p:spTgt spid="178"/>
+                                        </p:tgtEl>
+                                      </p:cBhvr>
+                                    </p:animEffect>
+                                    <p:set>
+                                      <p:cBhvr>
+                                        <p:cTn dur="1" fill="hold">
+                                          <p:stCondLst>
+                                            <p:cond delay="1000"/>
+                                          </p:stCondLst>
+                                        </p:cTn>
+                                        <p:tgtEl>
+                                          <p:spTgt spid="178"/>
+                                        </p:tgtEl>
+                                        <p:attrNameLst>
+                                          <p:attrName>style.visibility</p:attrName>
+                                        </p:attrNameLst>
+                                      </p:cBhvr>
+                                      <p:to>
+                                        <p:strVal val="hidden"/>
+                                      </p:to>
+                                    </p:set>
+                                  </p:childTnLst>
+                                </p:cTn>
+                              </p:par>
+                              <p:par>
+                                <p:cTn fill="hold" nodeType="withEffect" presetClass="entr" presetID="10" presetSubtype="0">
+                                  <p:stCondLst>
+                                    <p:cond delay="0"/>
+                                  </p:stCondLst>
+                                  <p:childTnLst>
+                                    <p:set>
+                                      <p:cBhvr>
+                                        <p:cTn dur="1" fill="hold">
+                                          <p:stCondLst>
+                                            <p:cond delay="0"/>
+                                          </p:stCondLst>
+                                        </p:cTn>
+                                        <p:tgtEl>
+                                          <p:spTgt spid="182"/>
+                                        </p:tgtEl>
+                                        <p:attrNameLst>
+                                          <p:attrName>style.visibility</p:attrName>
+                                        </p:attrNameLst>
+                                      </p:cBhvr>
+                                      <p:to>
+                                        <p:strVal val="visible"/>
+                                      </p:to>
+                                    </p:set>
+                                    <p:animEffect filter="fade" transition="in">
+                                      <p:cBhvr>
+                                        <p:cTn dur="1000"/>
+                                        <p:tgtEl>
+                                          <p:spTgt spid="182"/>
+                                        </p:tgtEl>
+                                      </p:cBhvr>
+                                    </p:animEffect>
+                                  </p:childTnLst>
+                                </p:cTn>
+                              </p:par>
+                              <p:par>
+                                <p:cTn fill="hold" nodeType="withEffect" presetClass="exit" presetID="10" presetSubtype="0">
+                                  <p:stCondLst>
+                                    <p:cond delay="0"/>
+                                  </p:stCondLst>
+                                  <p:childTnLst>
+                                    <p:animEffect filter="fade" transition="out">
+                                      <p:cBhvr>
+                                        <p:cTn dur="1000"/>
+                                        <p:tgtEl>
+                                          <p:spTgt spid="180"/>
+                                        </p:tgtEl>
+                                      </p:cBhvr>
+                                    </p:animEffect>
+                                    <p:set>
+                                      <p:cBhvr>
+                                        <p:cTn dur="1" fill="hold">
+                                          <p:stCondLst>
+                                            <p:cond delay="1000"/>
+                                          </p:stCondLst>
+                                        </p:cTn>
+                                        <p:tgtEl>
+                                          <p:spTgt spid="180"/>
+                                        </p:tgtEl>
+                                        <p:attrNameLst>
+                                          <p:attrName>style.visibility</p:attrName>
+                                        </p:attrNameLst>
+                                      </p:cBhvr>
+                                      <p:to>
+                                        <p:strVal val="hidden"/>
+                                      </p:to>
+                                    </p:set>
+                                  </p:childTnLst>
+                                </p:cTn>
+                              </p:par>
+                              <p:par>
+                                <p:cTn fill="hold" nodeType="withEffect" presetClass="entr" presetID="10" presetSubtype="0">
+                                  <p:stCondLst>
+                                    <p:cond delay="0"/>
+                                  </p:stCondLst>
+                                  <p:childTnLst>
+                                    <p:set>
+                                      <p:cBhvr>
+                                        <p:cTn dur="1" fill="hold">
+                                          <p:stCondLst>
+                                            <p:cond delay="0"/>
+                                          </p:stCondLst>
+                                        </p:cTn>
+                                        <p:tgtEl>
+                                          <p:spTgt spid="183"/>
+                                        </p:tgtEl>
+                                        <p:attrNameLst>
+                                          <p:attrName>style.visibility</p:attrName>
+                                        </p:attrNameLst>
+                                      </p:cBhvr>
+                                      <p:to>
+                                        <p:strVal val="visible"/>
+                                      </p:to>
+                                    </p:set>
+                                    <p:animEffect filter="fade" transition="in">
+                                      <p:cBhvr>
+                                        <p:cTn dur="1000"/>
+                                        <p:tgtEl>
+                                          <p:spTgt spid="183"/>
+                                        </p:tgtEl>
+                                      </p:cBhvr>
+                                    </p:animEffect>
+                                  </p:childTnLst>
+                                </p:cTn>
+                              </p:par>
+                            </p:childTnLst>
+                          </p:cTn>
+                        </p:par>
+                      </p:childTnLst>
+                    </p:cTn>
+                  </p:par>
+                  <p:par>
+                    <p:cTn fill="hold">
+                      <p:stCondLst>
+                        <p:cond delay="indefinite"/>
+                      </p:stCondLst>
+                      <p:childTnLst>
+                        <p:par>
+                          <p:cTn fill="hold">
+                            <p:stCondLst>
+                              <p:cond delay="0"/>
+                            </p:stCondLst>
+                            <p:childTnLst>
+                              <p:par>
+                                <p:cTn fill="hold" nodeType="clickEffect" presetClass="entr" presetID="10" presetSubtype="0">
+                                  <p:stCondLst>
+                                    <p:cond delay="0"/>
+                                  </p:stCondLst>
+                                  <p:childTnLst>
+                                    <p:set>
+                                      <p:cBhvr>
+                                        <p:cTn dur="1" fill="hold">
+                                          <p:stCondLst>
+                                            <p:cond delay="0"/>
+                                          </p:stCondLst>
+                                        </p:cTn>
+                                        <p:tgtEl>
+                                          <p:spTgt spid="184"/>
+                                        </p:tgtEl>
+                                        <p:attrNameLst>
+                                          <p:attrName>style.visibility</p:attrName>
+                                        </p:attrNameLst>
+                                      </p:cBhvr>
+                                      <p:to>
+                                        <p:strVal val="visible"/>
+                                      </p:to>
+                                    </p:set>
+                                    <p:animEffect filter="fade" transition="in">
+                                      <p:cBhvr>
+                                        <p:cTn dur="1000"/>
+                                        <p:tgtEl>
+                                          <p:spTgt spid="184"/>
+                                        </p:tgtEl>
+                                      </p:cBhvr>
+                                    </p:animEffect>
+                                  </p:childTnLst>
+                                </p:cTn>
+                              </p:par>
+                              <p:par>
+                                <p:cTn fill="hold" nodeType="withEffect" presetClass="entr" presetID="10" presetSubtype="0">
+                                  <p:stCondLst>
+                                    <p:cond delay="0"/>
+                                  </p:stCondLst>
+                                  <p:childTnLst>
+                                    <p:set>
+                                      <p:cBhvr>
+                                        <p:cTn dur="1" fill="hold">
+                                          <p:stCondLst>
+                                            <p:cond delay="0"/>
+                                          </p:stCondLst>
+                                        </p:cTn>
+                                        <p:tgtEl>
+                                          <p:spTgt spid="185"/>
+                                        </p:tgtEl>
+                                        <p:attrNameLst>
+                                          <p:attrName>style.visibility</p:attrName>
+                                        </p:attrNameLst>
+                                      </p:cBhvr>
+                                      <p:to>
+                                        <p:strVal val="visible"/>
+                                      </p:to>
+                                    </p:set>
+                                    <p:animEffect filter="fade" transition="in">
+                                      <p:cBhvr>
+                                        <p:cTn dur="1000"/>
+                                        <p:tgtEl>
+                                          <p:spTgt spid="185"/>
+                                        </p:tgtEl>
+                                      </p:cBhvr>
+                                    </p:animEffect>
+                                  </p:childTnLst>
+                                </p:cTn>
+                              </p:par>
+                              <p:par>
+                                <p:cTn fill="hold" nodeType="withEffect" presetClass="entr" presetID="10" presetSubtype="0">
+                                  <p:stCondLst>
+                                    <p:cond delay="0"/>
+                                  </p:stCondLst>
+                                  <p:childTnLst>
+                                    <p:set>
+                                      <p:cBhvr>
+                                        <p:cTn dur="1" fill="hold">
+                                          <p:stCondLst>
+                                            <p:cond delay="0"/>
+                                          </p:stCondLst>
+                                        </p:cTn>
+                                        <p:tgtEl>
+                                          <p:spTgt spid="186"/>
+                                        </p:tgtEl>
+                                        <p:attrNameLst>
+                                          <p:attrName>style.visibility</p:attrName>
+                                        </p:attrNameLst>
+                                      </p:cBhvr>
+                                      <p:to>
+                                        <p:strVal val="visible"/>
+                                      </p:to>
+                                    </p:set>
+                                    <p:animEffect filter="fade" transition="in">
+                                      <p:cBhvr>
+                                        <p:cTn dur="1000"/>
+                                        <p:tgtEl>
+                                          <p:spTgt spid="186"/>
+                                        </p:tgtEl>
+                                      </p:cBhvr>
+                                    </p:animEffect>
+                                  </p:childTnLst>
+                                </p:cTn>
+                              </p:par>
+                              <p:par>
+                                <p:cTn fill="hold" nodeType="withEffect" presetClass="entr" presetID="10" presetSubtype="0">
+                                  <p:stCondLst>
+                                    <p:cond delay="0"/>
+                                  </p:stCondLst>
+                                  <p:childTnLst>
+                                    <p:set>
+                                      <p:cBhvr>
+                                        <p:cTn dur="1" fill="hold">
+                                          <p:stCondLst>
+                                            <p:cond delay="0"/>
+                                          </p:stCondLst>
+                                        </p:cTn>
+                                        <p:tgtEl>
+                                          <p:spTgt spid="187"/>
+                                        </p:tgtEl>
+                                        <p:attrNameLst>
+                                          <p:attrName>style.visibility</p:attrName>
+                                        </p:attrNameLst>
+                                      </p:cBhvr>
+                                      <p:to>
+                                        <p:strVal val="visible"/>
+                                      </p:to>
+                                    </p:set>
+                                    <p:animEffect filter="fade" transition="in">
+                                      <p:cBhvr>
+                                        <p:cTn dur="1000"/>
+                                        <p:tgtEl>
+                                          <p:spTgt spid="187"/>
+                                        </p:tgtEl>
+                                      </p:cBhvr>
+                                    </p:animEffect>
+                                  </p:childTnLst>
+                                </p:cTn>
+                              </p:par>
+                              <p:par>
+                                <p:cTn fill="hold" nodeType="withEffect" presetClass="entr" presetID="10" presetSubtype="0">
+                                  <p:stCondLst>
+                                    <p:cond delay="0"/>
+                                  </p:stCondLst>
+                                  <p:childTnLst>
+                                    <p:set>
+                                      <p:cBhvr>
+                                        <p:cTn dur="1" fill="hold">
+                                          <p:stCondLst>
+                                            <p:cond delay="0"/>
+                                          </p:stCondLst>
+                                        </p:cTn>
+                                        <p:tgtEl>
+                                          <p:spTgt spid="188"/>
+                                        </p:tgtEl>
+                                        <p:attrNameLst>
+                                          <p:attrName>style.visibility</p:attrName>
+                                        </p:attrNameLst>
+                                      </p:cBhvr>
+                                      <p:to>
+                                        <p:strVal val="visible"/>
+                                      </p:to>
+                                    </p:set>
+                                    <p:animEffect filter="fade" transition="in">
+                                      <p:cBhvr>
+                                        <p:cTn dur="1000"/>
+                                        <p:tgtEl>
+                                          <p:spTgt spid="188"/>
+                                        </p:tgtEl>
+                                      </p:cBhvr>
+                                    </p:animEffect>
+                                  </p:childTnLst>
+                                </p:cTn>
+                              </p:par>
+                              <p:par>
+                                <p:cTn fill="hold" nodeType="withEffect" presetClass="entr" presetID="10" presetSubtype="0">
+                                  <p:stCondLst>
+                                    <p:cond delay="0"/>
+                                  </p:stCondLst>
+                                  <p:childTnLst>
+                                    <p:set>
+                                      <p:cBhvr>
+                                        <p:cTn dur="1" fill="hold">
+                                          <p:stCondLst>
+                                            <p:cond delay="0"/>
+                                          </p:stCondLst>
+                                        </p:cTn>
+                                        <p:tgtEl>
+                                          <p:spTgt spid="189"/>
+                                        </p:tgtEl>
+                                        <p:attrNameLst>
+                                          <p:attrName>style.visibility</p:attrName>
+                                        </p:attrNameLst>
+                                      </p:cBhvr>
+                                      <p:to>
+                                        <p:strVal val="visible"/>
+                                      </p:to>
+                                    </p:set>
+                                    <p:animEffect filter="fade" transition="in">
+                                      <p:cBhvr>
+                                        <p:cTn dur="1000"/>
+                                        <p:tgtEl>
+                                          <p:spTgt spid="189"/>
+                                        </p:tgtEl>
+                                      </p:cBhvr>
+                                    </p:animEffect>
+                                  </p:childTnLst>
+                                </p:cTn>
+                              </p:par>
+                              <p:par>
+                                <p:cTn fill="hold" nodeType="withEffect" presetClass="entr" presetID="10" presetSubtype="0">
+                                  <p:stCondLst>
+                                    <p:cond delay="0"/>
+                                  </p:stCondLst>
+                                  <p:childTnLst>
+                                    <p:set>
+                                      <p:cBhvr>
+                                        <p:cTn dur="1" fill="hold">
+                                          <p:stCondLst>
+                                            <p:cond delay="0"/>
+                                          </p:stCondLst>
+                                        </p:cTn>
+                                        <p:tgtEl>
+                                          <p:spTgt spid="190"/>
+                                        </p:tgtEl>
+                                        <p:attrNameLst>
+                                          <p:attrName>style.visibility</p:attrName>
+                                        </p:attrNameLst>
+                                      </p:cBhvr>
+                                      <p:to>
+                                        <p:strVal val="visible"/>
+                                      </p:to>
+                                    </p:set>
+                                    <p:animEffect filter="fade" transition="in">
+                                      <p:cBhvr>
+                                        <p:cTn dur="1000"/>
+                                        <p:tgtEl>
+                                          <p:spTgt spid="190"/>
+                                        </p:tgtEl>
+                                      </p:cBhvr>
+                                    </p:animEffect>
+                                  </p:childTnLst>
+                                </p:cTn>
+                              </p:par>
+                              <p:par>
+                                <p:cTn fill="hold" nodeType="withEffect" presetClass="entr" presetID="10" presetSubtype="0">
+                                  <p:stCondLst>
+                                    <p:cond delay="0"/>
+                                  </p:stCondLst>
+                                  <p:childTnLst>
+                                    <p:set>
+                                      <p:cBhvr>
+                                        <p:cTn dur="1" fill="hold">
+                                          <p:stCondLst>
+                                            <p:cond delay="0"/>
+                                          </p:stCondLst>
+                                        </p:cTn>
+                                        <p:tgtEl>
+                                          <p:spTgt spid="191"/>
+                                        </p:tgtEl>
+                                        <p:attrNameLst>
+                                          <p:attrName>style.visibility</p:attrName>
+                                        </p:attrNameLst>
+                                      </p:cBhvr>
+                                      <p:to>
+                                        <p:strVal val="visible"/>
+                                      </p:to>
+                                    </p:set>
+                                    <p:animEffect filter="fade" transition="in">
+                                      <p:cBhvr>
+                                        <p:cTn dur="1000"/>
+                                        <p:tgtEl>
+                                          <p:spTgt spid="191"/>
+                                        </p:tgtEl>
+                                      </p:cBhvr>
+                                    </p:animEffect>
+                                  </p:childTnLst>
+                                </p:cTn>
+                              </p:par>
+                              <p:par>
+                                <p:cTn fill="hold" nodeType="withEffect" presetClass="entr" presetID="10" presetSubtype="0">
+                                  <p:stCondLst>
+                                    <p:cond delay="0"/>
+                                  </p:stCondLst>
+                                  <p:childTnLst>
+                                    <p:set>
+                                      <p:cBhvr>
+                                        <p:cTn dur="1" fill="hold">
+                                          <p:stCondLst>
+                                            <p:cond delay="0"/>
+                                          </p:stCondLst>
+                                        </p:cTn>
+                                        <p:tgtEl>
+                                          <p:spTgt spid="192"/>
+                                        </p:tgtEl>
+                                        <p:attrNameLst>
+                                          <p:attrName>style.visibility</p:attrName>
+                                        </p:attrNameLst>
+                                      </p:cBhvr>
+                                      <p:to>
+                                        <p:strVal val="visible"/>
+                                      </p:to>
+                                    </p:set>
+                                    <p:animEffect filter="fade" transition="in">
+                                      <p:cBhvr>
+                                        <p:cTn dur="1000"/>
+                                        <p:tgtEl>
+                                          <p:spTgt spid="192"/>
+                                        </p:tgtEl>
+                                      </p:cBhvr>
+                                    </p:animEffect>
+                                  </p:childTnLst>
+                                </p:cTn>
+                              </p:par>
+                            </p:childTnLst>
+                          </p:cTn>
+                        </p:par>
+                      </p:childTnLst>
+                    </p:cTn>
+                  </p:par>
+                  <p:par>
+                    <p:cTn fill="hold">
+                      <p:stCondLst>
+                        <p:cond delay="indefinite"/>
+                      </p:stCondLst>
+                      <p:childTnLst>
+                        <p:par>
+                          <p:cTn fill="hold">
+                            <p:stCondLst>
+                              <p:cond delay="0"/>
+                            </p:stCondLst>
+                            <p:childTnLst>
+                              <p:par>
+                                <p:cTn fill="hold" nodeType="clickEffect" presetClass="entr" presetID="10" presetSubtype="0">
+                                  <p:stCondLst>
+                                    <p:cond delay="0"/>
+                                  </p:stCondLst>
+                                  <p:childTnLst>
+                                    <p:set>
+                                      <p:cBhvr>
+                                        <p:cTn dur="1" fill="hold">
+                                          <p:stCondLst>
+                                            <p:cond delay="0"/>
+                                          </p:stCondLst>
+                                        </p:cTn>
+                                        <p:tgtEl>
+                                          <p:spTgt spid="172"/>
+                                        </p:tgtEl>
+                                        <p:attrNameLst>
+                                          <p:attrName>style.visibility</p:attrName>
+                                        </p:attrNameLst>
+                                      </p:cBhvr>
+                                      <p:to>
+                                        <p:strVal val="visible"/>
+                                      </p:to>
+                                    </p:set>
+                                    <p:animEffect filter="fade" transition="in">
+                                      <p:cBhvr>
+                                        <p:cTn dur="1000"/>
+                                        <p:tgtEl>
+                                          <p:spTgt spid="172"/>
+                                        </p:tgtEl>
+                                      </p:cBhvr>
+                                    </p:animEffect>
+                                  </p:childTnLst>
+                                </p:cTn>
+                              </p:par>
+                              <p:par>
+                                <p:cTn fill="hold" nodeType="withEffect" presetClass="entr" presetID="10" presetSubtype="0">
+                                  <p:stCondLst>
+                                    <p:cond delay="0"/>
+                                  </p:stCondLst>
+                                  <p:childTnLst>
+                                    <p:set>
+                                      <p:cBhvr>
+                                        <p:cTn dur="1" fill="hold">
+                                          <p:stCondLst>
+                                            <p:cond delay="0"/>
+                                          </p:stCondLst>
+                                        </p:cTn>
+                                        <p:tgtEl>
+                                          <p:spTgt spid="173"/>
+                                        </p:tgtEl>
+                                        <p:attrNameLst>
+                                          <p:attrName>style.visibility</p:attrName>
+                                        </p:attrNameLst>
+                                      </p:cBhvr>
+                                      <p:to>
+                                        <p:strVal val="visible"/>
+                                      </p:to>
+                                    </p:set>
+                                    <p:animEffect filter="fade" transition="in">
+                                      <p:cBhvr>
+                                        <p:cTn dur="1000"/>
+                                        <p:tgtEl>
+                                          <p:spTgt spid="173"/>
+                                        </p:tgtEl>
+                                      </p:cBhvr>
+                                    </p:animEffect>
+                                  </p:childTnLst>
+                                </p:cTn>
+                              </p:par>
+                              <p:par>
+                                <p:cTn fill="hold" nodeType="withEffect" presetClass="exit" presetID="10" presetSubtype="0">
+                                  <p:stCondLst>
+                                    <p:cond delay="0"/>
+                                  </p:stCondLst>
+                                  <p:childTnLst>
+                                    <p:animEffect filter="fade" transition="out">
+                                      <p:cBhvr>
+                                        <p:cTn dur="1000"/>
+                                        <p:tgtEl>
+                                          <p:spTgt spid="188"/>
+                                        </p:tgtEl>
+                                      </p:cBhvr>
+                                    </p:animEffect>
+                                    <p:set>
+                                      <p:cBhvr>
+                                        <p:cTn dur="1" fill="hold">
+                                          <p:stCondLst>
+                                            <p:cond delay="1000"/>
+                                          </p:stCondLst>
+                                        </p:cTn>
+                                        <p:tgtEl>
+                                          <p:spTgt spid="188"/>
+                                        </p:tgtEl>
+                                        <p:attrNameLst>
+                                          <p:attrName>style.visibility</p:attrName>
+                                        </p:attrNameLst>
+                                      </p:cBhvr>
+                                      <p:to>
+                                        <p:strVal val="hidden"/>
+                                      </p:to>
+                                    </p:set>
+                                  </p:childTnLst>
+                                </p:cTn>
+                              </p:par>
+                              <p:par>
+                                <p:cTn fill="hold" nodeType="withEffect" presetClass="exit" presetID="10" presetSubtype="0">
+                                  <p:stCondLst>
+                                    <p:cond delay="0"/>
+                                  </p:stCondLst>
+                                  <p:childTnLst>
+                                    <p:animEffect filter="fade" transition="out">
+                                      <p:cBhvr>
+                                        <p:cTn dur="1000"/>
+                                        <p:tgtEl>
+                                          <p:spTgt spid="182"/>
+                                        </p:tgtEl>
+                                      </p:cBhvr>
+                                    </p:animEffect>
+                                    <p:set>
+                                      <p:cBhvr>
+                                        <p:cTn dur="1" fill="hold">
+                                          <p:stCondLst>
+                                            <p:cond delay="1000"/>
+                                          </p:stCondLst>
+                                        </p:cTn>
+                                        <p:tgtEl>
+                                          <p:spTgt spid="182"/>
+                                        </p:tgtEl>
+                                        <p:attrNameLst>
+                                          <p:attrName>style.visibility</p:attrName>
+                                        </p:attrNameLst>
+                                      </p:cBhvr>
+                                      <p:to>
+                                        <p:strVal val="hidden"/>
+                                      </p:to>
+                                    </p:set>
+                                  </p:childTnLst>
+                                </p:cTn>
+                              </p:par>
+                              <p:par>
+                                <p:cTn fill="hold" nodeType="withEffect" presetClass="entr" presetID="10" presetSubtype="0">
+                                  <p:stCondLst>
+                                    <p:cond delay="0"/>
+                                  </p:stCondLst>
+                                  <p:childTnLst>
+                                    <p:set>
+                                      <p:cBhvr>
+                                        <p:cTn dur="1" fill="hold">
+                                          <p:stCondLst>
+                                            <p:cond delay="0"/>
+                                          </p:stCondLst>
+                                        </p:cTn>
+                                        <p:tgtEl>
+                                          <p:spTgt spid="195"/>
+                                        </p:tgtEl>
+                                        <p:attrNameLst>
+                                          <p:attrName>style.visibility</p:attrName>
+                                        </p:attrNameLst>
+                                      </p:cBhvr>
+                                      <p:to>
+                                        <p:strVal val="visible"/>
+                                      </p:to>
+                                    </p:set>
+                                    <p:animEffect filter="fade" transition="in">
+                                      <p:cBhvr>
+                                        <p:cTn dur="1000"/>
+                                        <p:tgtEl>
+                                          <p:spTgt spid="195"/>
+                                        </p:tgtEl>
+                                      </p:cBhvr>
+                                    </p:animEffect>
+                                  </p:childTnLst>
+                                </p:cTn>
+                              </p:par>
+                              <p:par>
+                                <p:cTn fill="hold" nodeType="withEffect" presetClass="entr" presetID="10" presetSubtype="0">
+                                  <p:stCondLst>
+                                    <p:cond delay="0"/>
+                                  </p:stCondLst>
+                                  <p:childTnLst>
+                                    <p:set>
+                                      <p:cBhvr>
+                                        <p:cTn dur="1" fill="hold">
+                                          <p:stCondLst>
+                                            <p:cond delay="0"/>
+                                          </p:stCondLst>
+                                        </p:cTn>
+                                        <p:tgtEl>
+                                          <p:spTgt spid="196"/>
+                                        </p:tgtEl>
+                                        <p:attrNameLst>
+                                          <p:attrName>style.visibility</p:attrName>
+                                        </p:attrNameLst>
+                                      </p:cBhvr>
+                                      <p:to>
+                                        <p:strVal val="visible"/>
+                                      </p:to>
+                                    </p:set>
+                                    <p:animEffect filter="fade" transition="in">
+                                      <p:cBhvr>
+                                        <p:cTn dur="1000"/>
+                                        <p:tgtEl>
+                                          <p:spTgt spid="196"/>
+                                        </p:tgtEl>
+                                      </p:cBhvr>
+                                    </p:animEffect>
+                                  </p:childTnLst>
+                                </p:cTn>
+                              </p:par>
+                              <p:par>
+                                <p:cTn fill="hold" nodeType="withEffect" presetClass="entr" presetID="10" presetSubtype="0">
+                                  <p:stCondLst>
+                                    <p:cond delay="0"/>
+                                  </p:stCondLst>
+                                  <p:childTnLst>
+                                    <p:set>
+                                      <p:cBhvr>
+                                        <p:cTn dur="1" fill="hold">
+                                          <p:stCondLst>
+                                            <p:cond delay="0"/>
+                                          </p:stCondLst>
+                                        </p:cTn>
+                                        <p:tgtEl>
+                                          <p:spTgt spid="206"/>
+                                        </p:tgtEl>
+                                        <p:attrNameLst>
+                                          <p:attrName>style.visibility</p:attrName>
+                                        </p:attrNameLst>
+                                      </p:cBhvr>
+                                      <p:to>
+                                        <p:strVal val="visible"/>
+                                      </p:to>
+                                    </p:set>
+                                    <p:animEffect filter="fade" transition="in">
+                                      <p:cBhvr>
+                                        <p:cTn dur="1000"/>
+                                        <p:tgtEl>
+                                          <p:spTgt spid="206"/>
+                                        </p:tgtEl>
+                                      </p:cBhvr>
+                                    </p:animEffect>
+                                  </p:childTnLst>
+                                </p:cTn>
+                              </p:par>
+                              <p:par>
+                                <p:cTn fill="hold" nodeType="withEffect" presetClass="exit" presetID="10" presetSubtype="0">
+                                  <p:stCondLst>
+                                    <p:cond delay="0"/>
+                                  </p:stCondLst>
+                                  <p:childTnLst>
+                                    <p:animEffect filter="fade" transition="out">
+                                      <p:cBhvr>
+                                        <p:cTn dur="1000"/>
+                                        <p:tgtEl>
+                                          <p:spTgt spid="191"/>
+                                        </p:tgtEl>
+                                      </p:cBhvr>
+                                    </p:animEffect>
+                                    <p:set>
+                                      <p:cBhvr>
+                                        <p:cTn dur="1" fill="hold">
+                                          <p:stCondLst>
+                                            <p:cond delay="1000"/>
+                                          </p:stCondLst>
+                                        </p:cTn>
+                                        <p:tgtEl>
+                                          <p:spTgt spid="191"/>
+                                        </p:tgtEl>
+                                        <p:attrNameLst>
+                                          <p:attrName>style.visibility</p:attrName>
+                                        </p:attrNameLst>
+                                      </p:cBhvr>
+                                      <p:to>
+                                        <p:strVal val="hidden"/>
+                                      </p:to>
+                                    </p:set>
+                                  </p:childTnLst>
+                                </p:cTn>
+                              </p:par>
+                              <p:par>
+                                <p:cTn fill="hold" nodeType="withEffect" presetClass="entr" presetID="10" presetSubtype="0">
+                                  <p:stCondLst>
+                                    <p:cond delay="0"/>
+                                  </p:stCondLst>
+                                  <p:childTnLst>
+                                    <p:set>
+                                      <p:cBhvr>
+                                        <p:cTn dur="1" fill="hold">
+                                          <p:stCondLst>
+                                            <p:cond delay="0"/>
+                                          </p:stCondLst>
+                                        </p:cTn>
+                                        <p:tgtEl>
+                                          <p:spTgt spid="207"/>
+                                        </p:tgtEl>
+                                        <p:attrNameLst>
+                                          <p:attrName>style.visibility</p:attrName>
+                                        </p:attrNameLst>
+                                      </p:cBhvr>
+                                      <p:to>
+                                        <p:strVal val="visible"/>
+                                      </p:to>
+                                    </p:set>
+                                    <p:animEffect filter="fade" transition="in">
+                                      <p:cBhvr>
+                                        <p:cTn dur="1000"/>
+                                        <p:tgtEl>
+                                          <p:spTgt spid="207"/>
+                                        </p:tgtEl>
+                                      </p:cBhvr>
+                                    </p:animEffect>
+                                  </p:childTnLst>
+                                </p:cTn>
+                              </p:par>
+                              <p:par>
+                                <p:cTn fill="hold" nodeType="withEffect" presetClass="exit" presetID="10" presetSubtype="0">
+                                  <p:stCondLst>
+                                    <p:cond delay="0"/>
+                                  </p:stCondLst>
+                                  <p:childTnLst>
+                                    <p:animEffect filter="fade" transition="out">
+                                      <p:cBhvr>
+                                        <p:cTn dur="1000"/>
+                                        <p:tgtEl>
+                                          <p:spTgt spid="193"/>
+                                        </p:tgtEl>
+                                      </p:cBhvr>
+                                    </p:animEffect>
+                                    <p:set>
+                                      <p:cBhvr>
+                                        <p:cTn dur="1" fill="hold">
+                                          <p:stCondLst>
+                                            <p:cond delay="1000"/>
+                                          </p:stCondLst>
+                                        </p:cTn>
+                                        <p:tgtEl>
+                                          <p:spTgt spid="193"/>
+                                        </p:tgtEl>
+                                        <p:attrNameLst>
+                                          <p:attrName>style.visibility</p:attrName>
+                                        </p:attrNameLst>
+                                      </p:cBhvr>
+                                      <p:to>
+                                        <p:strVal val="hidden"/>
+                                      </p:to>
+                                    </p:set>
+                                  </p:childTnLst>
+                                </p:cTn>
+                              </p:par>
+                              <p:par>
+                                <p:cTn fill="hold" nodeType="withEffect" presetClass="entr" presetID="10" presetSubtype="0">
+                                  <p:stCondLst>
+                                    <p:cond delay="0"/>
+                                  </p:stCondLst>
+                                  <p:childTnLst>
+                                    <p:set>
+                                      <p:cBhvr>
+                                        <p:cTn dur="1" fill="hold">
+                                          <p:stCondLst>
+                                            <p:cond delay="0"/>
+                                          </p:stCondLst>
+                                        </p:cTn>
+                                        <p:tgtEl>
+                                          <p:spTgt spid="197"/>
+                                        </p:tgtEl>
+                                        <p:attrNameLst>
+                                          <p:attrName>style.visibility</p:attrName>
+                                        </p:attrNameLst>
+                                      </p:cBhvr>
+                                      <p:to>
+                                        <p:strVal val="visible"/>
+                                      </p:to>
+                                    </p:set>
+                                    <p:animEffect filter="fade" transition="in">
+                                      <p:cBhvr>
+                                        <p:cTn dur="1000"/>
+                                        <p:tgtEl>
+                                          <p:spTgt spid="197"/>
+                                        </p:tgtEl>
+                                      </p:cBhvr>
+                                    </p:animEffect>
+                                  </p:childTnLst>
+                                </p:cTn>
+                              </p:par>
+                              <p:par>
+                                <p:cTn fill="hold" nodeType="withEffect" presetClass="entr" presetID="10" presetSubtype="0">
+                                  <p:stCondLst>
+                                    <p:cond delay="0"/>
+                                  </p:stCondLst>
+                                  <p:childTnLst>
+                                    <p:set>
+                                      <p:cBhvr>
+                                        <p:cTn dur="1" fill="hold">
+                                          <p:stCondLst>
+                                            <p:cond delay="0"/>
+                                          </p:stCondLst>
+                                        </p:cTn>
+                                        <p:tgtEl>
+                                          <p:spTgt spid="198"/>
+                                        </p:tgtEl>
+                                        <p:attrNameLst>
+                                          <p:attrName>style.visibility</p:attrName>
+                                        </p:attrNameLst>
+                                      </p:cBhvr>
+                                      <p:to>
+                                        <p:strVal val="visible"/>
+                                      </p:to>
+                                    </p:set>
+                                    <p:animEffect filter="fade" transition="in">
+                                      <p:cBhvr>
+                                        <p:cTn dur="1000"/>
+                                        <p:tgtEl>
+                                          <p:spTgt spid="198"/>
+                                        </p:tgtEl>
+                                      </p:cBhvr>
+                                    </p:animEffect>
+                                  </p:childTnLst>
+                                </p:cTn>
+                              </p:par>
+                              <p:par>
+                                <p:cTn fill="hold" nodeType="withEffect" presetClass="entr" presetID="10" presetSubtype="0">
+                                  <p:stCondLst>
+                                    <p:cond delay="0"/>
+                                  </p:stCondLst>
+                                  <p:childTnLst>
+                                    <p:set>
+                                      <p:cBhvr>
+                                        <p:cTn dur="1" fill="hold">
+                                          <p:stCondLst>
+                                            <p:cond delay="0"/>
+                                          </p:stCondLst>
+                                        </p:cTn>
+                                        <p:tgtEl>
+                                          <p:spTgt spid="199"/>
+                                        </p:tgtEl>
+                                        <p:attrNameLst>
+                                          <p:attrName>style.visibility</p:attrName>
+                                        </p:attrNameLst>
+                                      </p:cBhvr>
+                                      <p:to>
+                                        <p:strVal val="visible"/>
+                                      </p:to>
+                                    </p:set>
+                                    <p:animEffect filter="fade" transition="in">
+                                      <p:cBhvr>
+                                        <p:cTn dur="1000"/>
+                                        <p:tgtEl>
+                                          <p:spTgt spid="199"/>
+                                        </p:tgtEl>
+                                      </p:cBhvr>
+                                    </p:animEffect>
+                                  </p:childTnLst>
+                                </p:cTn>
+                              </p:par>
+                              <p:par>
+                                <p:cTn fill="hold" nodeType="withEffect" presetClass="entr" presetID="10" presetSubtype="0">
+                                  <p:stCondLst>
+                                    <p:cond delay="0"/>
+                                  </p:stCondLst>
+                                  <p:childTnLst>
+                                    <p:set>
+                                      <p:cBhvr>
+                                        <p:cTn dur="1" fill="hold">
+                                          <p:stCondLst>
+                                            <p:cond delay="0"/>
+                                          </p:stCondLst>
+                                        </p:cTn>
+                                        <p:tgtEl>
+                                          <p:spTgt spid="200"/>
+                                        </p:tgtEl>
+                                        <p:attrNameLst>
+                                          <p:attrName>style.visibility</p:attrName>
+                                        </p:attrNameLst>
+                                      </p:cBhvr>
+                                      <p:to>
+                                        <p:strVal val="visible"/>
+                                      </p:to>
+                                    </p:set>
+                                    <p:animEffect filter="fade" transition="in">
+                                      <p:cBhvr>
+                                        <p:cTn dur="1000"/>
+                                        <p:tgtEl>
+                                          <p:spTgt spid="200"/>
+                                        </p:tgtEl>
+                                      </p:cBhvr>
+                                    </p:animEffect>
+                                  </p:childTnLst>
+                                </p:cTn>
+                              </p:par>
+                              <p:par>
+                                <p:cTn fill="hold" nodeType="withEffect" presetClass="entr" presetID="10" presetSubtype="0">
+                                  <p:stCondLst>
+                                    <p:cond delay="0"/>
+                                  </p:stCondLst>
+                                  <p:childTnLst>
+                                    <p:set>
+                                      <p:cBhvr>
+                                        <p:cTn dur="1" fill="hold">
+                                          <p:stCondLst>
+                                            <p:cond delay="0"/>
+                                          </p:stCondLst>
+                                        </p:cTn>
+                                        <p:tgtEl>
+                                          <p:spTgt spid="201"/>
+                                        </p:tgtEl>
+                                        <p:attrNameLst>
+                                          <p:attrName>style.visibility</p:attrName>
+                                        </p:attrNameLst>
+                                      </p:cBhvr>
+                                      <p:to>
+                                        <p:strVal val="visible"/>
+                                      </p:to>
+                                    </p:set>
+                                    <p:animEffect filter="fade" transition="in">
+                                      <p:cBhvr>
+                                        <p:cTn dur="1000"/>
+                                        <p:tgtEl>
+                                          <p:spTgt spid="201"/>
+                                        </p:tgtEl>
+                                      </p:cBhvr>
+                                    </p:animEffect>
+                                  </p:childTnLst>
+                                </p:cTn>
+                              </p:par>
+                              <p:par>
+                                <p:cTn fill="hold" nodeType="withEffect" presetClass="entr" presetID="10" presetSubtype="0">
+                                  <p:stCondLst>
+                                    <p:cond delay="0"/>
+                                  </p:stCondLst>
+                                  <p:childTnLst>
+                                    <p:set>
+                                      <p:cBhvr>
+                                        <p:cTn dur="1" fill="hold">
+                                          <p:stCondLst>
+                                            <p:cond delay="0"/>
+                                          </p:stCondLst>
+                                        </p:cTn>
+                                        <p:tgtEl>
+                                          <p:spTgt spid="202"/>
+                                        </p:tgtEl>
+                                        <p:attrNameLst>
+                                          <p:attrName>style.visibility</p:attrName>
+                                        </p:attrNameLst>
+                                      </p:cBhvr>
+                                      <p:to>
+                                        <p:strVal val="visible"/>
+                                      </p:to>
+                                    </p:set>
+                                    <p:animEffect filter="fade" transition="in">
+                                      <p:cBhvr>
+                                        <p:cTn dur="1000"/>
+                                        <p:tgtEl>
+                                          <p:spTgt spid="202"/>
+                                        </p:tgtEl>
+                                      </p:cBhvr>
+                                    </p:animEffect>
+                                  </p:childTnLst>
+                                </p:cTn>
+                              </p:par>
+                              <p:par>
+                                <p:cTn fill="hold" nodeType="withEffect" presetClass="entr" presetID="10" presetSubtype="0">
+                                  <p:stCondLst>
+                                    <p:cond delay="0"/>
+                                  </p:stCondLst>
+                                  <p:childTnLst>
+                                    <p:set>
+                                      <p:cBhvr>
+                                        <p:cTn dur="1" fill="hold">
+                                          <p:stCondLst>
+                                            <p:cond delay="0"/>
+                                          </p:stCondLst>
+                                        </p:cTn>
+                                        <p:tgtEl>
+                                          <p:spTgt spid="203"/>
+                                        </p:tgtEl>
+                                        <p:attrNameLst>
+                                          <p:attrName>style.visibility</p:attrName>
+                                        </p:attrNameLst>
+                                      </p:cBhvr>
+                                      <p:to>
+                                        <p:strVal val="visible"/>
+                                      </p:to>
+                                    </p:set>
+                                    <p:animEffect filter="fade" transition="in">
+                                      <p:cBhvr>
+                                        <p:cTn dur="1000"/>
+                                        <p:tgtEl>
+                                          <p:spTgt spid="203"/>
+                                        </p:tgtEl>
+                                      </p:cBhvr>
+                                    </p:animEffect>
+                                  </p:childTnLst>
+                                </p:cTn>
+                              </p:par>
+                              <p:par>
+                                <p:cTn fill="hold" nodeType="withEffect" presetClass="entr" presetID="10" presetSubtype="0">
+                                  <p:stCondLst>
+                                    <p:cond delay="0"/>
+                                  </p:stCondLst>
+                                  <p:childTnLst>
+                                    <p:set>
+                                      <p:cBhvr>
+                                        <p:cTn dur="1" fill="hold">
+                                          <p:stCondLst>
+                                            <p:cond delay="0"/>
+                                          </p:stCondLst>
+                                        </p:cTn>
+                                        <p:tgtEl>
+                                          <p:spTgt spid="204"/>
+                                        </p:tgtEl>
+                                        <p:attrNameLst>
+                                          <p:attrName>style.visibility</p:attrName>
+                                        </p:attrNameLst>
+                                      </p:cBhvr>
+                                      <p:to>
+                                        <p:strVal val="visible"/>
+                                      </p:to>
+                                    </p:set>
+                                    <p:animEffect filter="fade" transition="in">
+                                      <p:cBhvr>
+                                        <p:cTn dur="1000"/>
+                                        <p:tgtEl>
+                                          <p:spTgt spid="204"/>
+                                        </p:tgtEl>
+                                      </p:cBhvr>
+                                    </p:animEffect>
+                                  </p:childTnLst>
+                                </p:cTn>
+                              </p:par>
+                              <p:par>
+                                <p:cTn fill="hold" nodeType="withEffect" presetClass="entr" presetID="10" presetSubtype="0">
+                                  <p:stCondLst>
+                                    <p:cond delay="0"/>
+                                  </p:stCondLst>
+                                  <p:childTnLst>
+                                    <p:set>
+                                      <p:cBhvr>
+                                        <p:cTn dur="1" fill="hold">
+                                          <p:stCondLst>
+                                            <p:cond delay="0"/>
+                                          </p:stCondLst>
+                                        </p:cTn>
+                                        <p:tgtEl>
+                                          <p:spTgt spid="205"/>
+                                        </p:tgtEl>
+                                        <p:attrNameLst>
+                                          <p:attrName>style.visibility</p:attrName>
+                                        </p:attrNameLst>
+                                      </p:cBhvr>
+                                      <p:to>
+                                        <p:strVal val="visible"/>
+                                      </p:to>
+                                    </p:set>
+                                    <p:animEffect filter="fade" transition="in">
+                                      <p:cBhvr>
+                                        <p:cTn dur="1000"/>
+                                        <p:tgtEl>
+                                          <p:spTgt spid="205"/>
+                                        </p:tgtEl>
+                                      </p:cBhvr>
+                                    </p:animEffect>
+                                  </p:childTnLst>
+                                </p:cTn>
+                              </p:par>
+                            </p:childTnLst>
+                          </p:cTn>
+                        </p:par>
+                      </p:childTnLst>
+                    </p:cTn>
+                  </p:par>
+                </p:childTnLst>
+              </p:cTn>
+              <p:prevCondLst>
+                <p:cond evt="onPrev">
+                  <p:tgtEl>
+                    <p:sldTgt/>
+                  </p:tgtEl>
+                </p:cond>
+              </p:prevCondLst>
+              <p:nextCondLst>
+                <p:cond evt="onNext">
+                  <p:tgtEl>
+                    <p:sldTgt/>
+                  </p:tgtEl>
+                </p:cond>
+              </p:nextCondLst>
+            </p:seq>
+          </p:childTnLst>
+        </p:cTn>
+      </p:par>
+    </p:tnLst>
+  </p:timing>
 </p:sld>
 </file>
 
@@ -15728,7 +17690,7 @@
   <p:cSld>
     <p:spTree>
       <p:nvGrpSpPr>
-        <p:cNvPr id="197" name="Shape 197"/>
+        <p:cNvPr id="211" name="Shape 211"/>
         <p:cNvGrpSpPr/>
         <p:nvPr/>
       </p:nvGrpSpPr>
@@ -15742,7 +17704,7 @@
       </p:grpSpPr>
       <p:sp>
         <p:nvSpPr>
-          <p:cNvPr id="198" name="Google Shape;198;p20"/>
+          <p:cNvPr id="212" name="Google Shape;212;p20"/>
           <p:cNvSpPr txBox="1"/>
           <p:nvPr/>
         </p:nvSpPr>
@@ -15794,7 +17756,7 @@
       </p:sp>
       <p:sp>
         <p:nvSpPr>
-          <p:cNvPr id="199" name="Google Shape;199;p20"/>
+          <p:cNvPr id="213" name="Google Shape;213;p20"/>
           <p:cNvSpPr txBox="1"/>
           <p:nvPr/>
         </p:nvSpPr>
@@ -15924,7 +17886,7 @@
   <p:cSld>
     <p:spTree>
       <p:nvGrpSpPr>
-        <p:cNvPr id="203" name="Shape 203"/>
+        <p:cNvPr id="217" name="Shape 217"/>
         <p:cNvGrpSpPr/>
         <p:nvPr/>
       </p:nvGrpSpPr>
@@ -15938,7 +17900,7 @@
       </p:grpSpPr>
       <p:sp>
         <p:nvSpPr>
-          <p:cNvPr id="204" name="Google Shape;204;p21"/>
+          <p:cNvPr id="218" name="Google Shape;218;p21"/>
           <p:cNvSpPr txBox="1"/>
           <p:nvPr/>
         </p:nvSpPr>
@@ -15990,7 +17952,7 @@
       </p:sp>
       <p:cxnSp>
         <p:nvCxnSpPr>
-          <p:cNvPr id="205" name="Google Shape;205;p21"/>
+          <p:cNvPr id="219" name="Google Shape;219;p21"/>
           <p:cNvCxnSpPr/>
           <p:nvPr/>
         </p:nvCxnSpPr>
@@ -16016,7 +17978,7 @@
       </p:cxnSp>
       <p:cxnSp>
         <p:nvCxnSpPr>
-          <p:cNvPr id="206" name="Google Shape;206;p21"/>
+          <p:cNvPr id="220" name="Google Shape;220;p21"/>
           <p:cNvCxnSpPr/>
           <p:nvPr/>
         </p:nvCxnSpPr>
@@ -16042,7 +18004,7 @@
       </p:cxnSp>
       <p:cxnSp>
         <p:nvCxnSpPr>
-          <p:cNvPr id="207" name="Google Shape;207;p21"/>
+          <p:cNvPr id="221" name="Google Shape;221;p21"/>
           <p:cNvCxnSpPr/>
           <p:nvPr/>
         </p:nvCxnSpPr>
@@ -16066,35 +18028,9 @@
           </a:ln>
         </p:spPr>
       </p:cxnSp>
-      <p:cxnSp>
-        <p:nvCxnSpPr>
-          <p:cNvPr id="208" name="Google Shape;208;p21"/>
-          <p:cNvCxnSpPr/>
-          <p:nvPr/>
-        </p:nvCxnSpPr>
-        <p:spPr>
-          <a:xfrm>
-            <a:off x="6015600" y="3556080"/>
-            <a:ext cx="946800" cy="720"/>
-          </a:xfrm>
-          <a:prstGeom prst="straightConnector1">
-            <a:avLst/>
-          </a:prstGeom>
-          <a:noFill/>
-          <a:ln cap="flat" cmpd="sng" w="9525">
-            <a:solidFill>
-              <a:srgbClr val="3465A4"/>
-            </a:solidFill>
-            <a:prstDash val="solid"/>
-            <a:round/>
-            <a:headEnd len="sm" w="sm" type="none"/>
-            <a:tailEnd len="sm" w="sm" type="none"/>
-          </a:ln>
-        </p:spPr>
-      </p:cxnSp>
       <p:sp>
         <p:nvSpPr>
-          <p:cNvPr id="209" name="Google Shape;209;p21"/>
+          <p:cNvPr id="222" name="Google Shape;222;p21"/>
           <p:cNvSpPr txBox="1"/>
           <p:nvPr/>
         </p:nvSpPr>
@@ -16250,14 +18186,14 @@
       </p:sp>
       <p:sp>
         <p:nvSpPr>
-          <p:cNvPr id="210" name="Google Shape;210;p21"/>
+          <p:cNvPr id="223" name="Google Shape;223;p21"/>
           <p:cNvSpPr txBox="1"/>
           <p:nvPr/>
         </p:nvSpPr>
         <p:spPr>
           <a:xfrm>
             <a:off x="1704600" y="2772000"/>
-            <a:ext cx="2047680" cy="602280"/>
+            <a:ext cx="2047800" cy="1270800"/>
           </a:xfrm>
           <a:prstGeom prst="rect">
             <a:avLst/>
@@ -16289,14 +18225,9 @@
                 <a:cs typeface="Arial"/>
                 <a:sym typeface="Arial"/>
               </a:rPr>
-              <a:t>g: ...</a:t>
+              <a:t>g() {</a:t>
             </a:r>
-            <a:endParaRPr b="0" sz="1800" strike="noStrike">
-              <a:latin typeface="Arial"/>
-              <a:ea typeface="Arial"/>
-              <a:cs typeface="Arial"/>
-              <a:sym typeface="Arial"/>
-            </a:endParaRPr>
+            <a:endParaRPr sz="1800"/>
           </a:p>
           <a:p>
             <a:pPr indent="0" lvl="0" marL="0" marR="0" rtl="0" algn="l">
@@ -16309,104 +18240,48 @@
               <a:buNone/>
             </a:pPr>
             <a:r>
-              <a:rPr b="0" lang="en-US" sz="1800" strike="noStrike">
-                <a:latin typeface="Arial"/>
-                <a:ea typeface="Arial"/>
-                <a:cs typeface="Arial"/>
-                <a:sym typeface="Arial"/>
-              </a:rPr>
-              <a:t>    mov $1,-2(%sp)</a:t>
+              <a:rPr lang="en-US" sz="1800"/>
+              <a:t>     int s;</a:t>
             </a:r>
-            <a:endParaRPr b="0" sz="1800" strike="noStrike">
-              <a:latin typeface="Arial"/>
-              <a:ea typeface="Arial"/>
-              <a:cs typeface="Arial"/>
-              <a:sym typeface="Arial"/>
-            </a:endParaRPr>
+            <a:endParaRPr sz="1800"/>
+          </a:p>
+          <a:p>
+            <a:pPr indent="0" lvl="0" marL="0" marR="0" rtl="0" algn="l">
+              <a:spcBef>
+                <a:spcPts val="0"/>
+              </a:spcBef>
+              <a:spcAft>
+                <a:spcPts val="0"/>
+              </a:spcAft>
+              <a:buNone/>
+            </a:pPr>
+            <a:r>
+              <a:rPr lang="en-US" sz="1800"/>
+              <a:t>     *(&amp;s - 2) = 1;</a:t>
+            </a:r>
+            <a:endParaRPr sz="1800"/>
+          </a:p>
+          <a:p>
+            <a:pPr indent="0" lvl="0" marL="0" marR="0" rtl="0" algn="l">
+              <a:spcBef>
+                <a:spcPts val="0"/>
+              </a:spcBef>
+              <a:spcAft>
+                <a:spcPts val="0"/>
+              </a:spcAft>
+              <a:buNone/>
+            </a:pPr>
+            <a:r>
+              <a:rPr lang="en-US" sz="1800"/>
+              <a:t>}</a:t>
+            </a:r>
+            <a:endParaRPr sz="1800"/>
           </a:p>
         </p:txBody>
       </p:sp>
       <p:sp>
         <p:nvSpPr>
-          <p:cNvPr id="211" name="Google Shape;211;p21"/>
-          <p:cNvSpPr txBox="1"/>
-          <p:nvPr/>
-        </p:nvSpPr>
-        <p:spPr>
-          <a:xfrm>
-            <a:off x="1705320" y="3346200"/>
-            <a:ext cx="1997280" cy="602280"/>
-          </a:xfrm>
-          <a:prstGeom prst="rect">
-            <a:avLst/>
-          </a:prstGeom>
-          <a:noFill/>
-          <a:ln>
-            <a:noFill/>
-          </a:ln>
-        </p:spPr>
-        <p:txBody>
-          <a:bodyPr anchorCtr="0" anchor="t" bIns="45000" lIns="90000" spcFirstLastPara="1" rIns="90000" wrap="square" tIns="45000">
-            <a:noAutofit/>
-          </a:bodyPr>
-          <a:lstStyle/>
-          <a:p>
-            <a:pPr indent="0" lvl="0" marL="0" marR="0" rtl="0" algn="l">
-              <a:spcBef>
-                <a:spcPts val="0"/>
-              </a:spcBef>
-              <a:spcAft>
-                <a:spcPts val="0"/>
-              </a:spcAft>
-              <a:buNone/>
-            </a:pPr>
-            <a:r>
-              <a:rPr b="0" lang="en-US" sz="1800" strike="noStrike">
-                <a:latin typeface="Arial"/>
-                <a:ea typeface="Arial"/>
-                <a:cs typeface="Arial"/>
-                <a:sym typeface="Arial"/>
-              </a:rPr>
-              <a:t>h: ...</a:t>
-            </a:r>
-            <a:endParaRPr b="0" sz="1800" strike="noStrike">
-              <a:latin typeface="Arial"/>
-              <a:ea typeface="Arial"/>
-              <a:cs typeface="Arial"/>
-              <a:sym typeface="Arial"/>
-            </a:endParaRPr>
-          </a:p>
-          <a:p>
-            <a:pPr indent="0" lvl="0" marL="0" marR="0" rtl="0" algn="l">
-              <a:spcBef>
-                <a:spcPts val="0"/>
-              </a:spcBef>
-              <a:spcAft>
-                <a:spcPts val="0"/>
-              </a:spcAft>
-              <a:buNone/>
-            </a:pPr>
-            <a:r>
-              <a:rPr b="0" lang="en-US" sz="1800" strike="noStrike">
-                <a:latin typeface="Arial"/>
-                <a:ea typeface="Arial"/>
-                <a:cs typeface="Arial"/>
-                <a:sym typeface="Arial"/>
-              </a:rPr>
-              <a:t>    mov -2(%sp),r1</a:t>
-            </a:r>
-            <a:endParaRPr b="0" sz="1800" strike="noStrike">
-              <a:latin typeface="Arial"/>
-              <a:ea typeface="Arial"/>
-              <a:cs typeface="Arial"/>
-              <a:sym typeface="Arial"/>
-            </a:endParaRPr>
-          </a:p>
-        </p:txBody>
-      </p:sp>
-      <p:sp>
-        <p:nvSpPr>
-          <p:cNvPr id="212" name="Google Shape;212;p21"/>
+          <p:cNvPr id="224" name="Google Shape;224;p21"/>
           <p:cNvSpPr/>
           <p:nvPr/>
         </p:nvSpPr>
@@ -16466,7 +18341,7 @@
       </p:sp>
       <p:sp>
         <p:nvSpPr>
-          <p:cNvPr id="213" name="Google Shape;213;p21"/>
+          <p:cNvPr id="225" name="Google Shape;225;p21"/>
           <p:cNvSpPr/>
           <p:nvPr/>
         </p:nvSpPr>
@@ -16526,7 +18401,7 @@
       </p:sp>
       <p:sp>
         <p:nvSpPr>
-          <p:cNvPr id="214" name="Google Shape;214;p21"/>
+          <p:cNvPr id="226" name="Google Shape;226;p21"/>
           <p:cNvSpPr/>
           <p:nvPr/>
         </p:nvSpPr>
@@ -16582,7 +18457,7 @@
       </p:sp>
       <p:sp>
         <p:nvSpPr>
-          <p:cNvPr id="215" name="Google Shape;215;p21"/>
+          <p:cNvPr id="227" name="Google Shape;227;p21"/>
           <p:cNvSpPr/>
           <p:nvPr/>
         </p:nvSpPr>
@@ -16642,7 +18517,7 @@
       </p:sp>
       <p:sp>
         <p:nvSpPr>
-          <p:cNvPr id="216" name="Google Shape;216;p21"/>
+          <p:cNvPr id="228" name="Google Shape;228;p21"/>
           <p:cNvSpPr/>
           <p:nvPr/>
         </p:nvSpPr>
@@ -16698,7 +18573,7 @@
       </p:sp>
       <p:cxnSp>
         <p:nvCxnSpPr>
-          <p:cNvPr id="217" name="Google Shape;217;p21"/>
+          <p:cNvPr id="229" name="Google Shape;229;p21"/>
           <p:cNvCxnSpPr/>
           <p:nvPr/>
         </p:nvCxnSpPr>
@@ -16724,7 +18599,7 @@
       </p:cxnSp>
       <p:sp>
         <p:nvSpPr>
-          <p:cNvPr id="218" name="Google Shape;218;p21"/>
+          <p:cNvPr id="230" name="Google Shape;230;p21"/>
           <p:cNvSpPr txBox="1"/>
           <p:nvPr/>
         </p:nvSpPr>
@@ -16774,11 +18649,439 @@
           </a:p>
         </p:txBody>
       </p:sp>
+      <p:sp>
+        <p:nvSpPr>
+          <p:cNvPr id="231" name="Google Shape;231;p21"/>
+          <p:cNvSpPr txBox="1"/>
+          <p:nvPr/>
+        </p:nvSpPr>
+        <p:spPr>
+          <a:xfrm>
+            <a:off x="1704600" y="3915000"/>
+            <a:ext cx="2047800" cy="1270800"/>
+          </a:xfrm>
+          <a:prstGeom prst="rect">
+            <a:avLst/>
+          </a:prstGeom>
+          <a:noFill/>
+          <a:ln>
+            <a:noFill/>
+          </a:ln>
+        </p:spPr>
+        <p:txBody>
+          <a:bodyPr anchorCtr="0" anchor="t" bIns="45000" lIns="90000" spcFirstLastPara="1" rIns="90000" wrap="square" tIns="45000">
+            <a:noAutofit/>
+          </a:bodyPr>
+          <a:lstStyle/>
+          <a:p>
+            <a:pPr indent="0" lvl="0" marL="0" marR="0" rtl="0" algn="l">
+              <a:spcBef>
+                <a:spcPts val="0"/>
+              </a:spcBef>
+              <a:spcAft>
+                <a:spcPts val="0"/>
+              </a:spcAft>
+              <a:buNone/>
+            </a:pPr>
+            <a:r>
+              <a:rPr lang="en-US" sz="1800"/>
+              <a:t>h</a:t>
+            </a:r>
+            <a:r>
+              <a:rPr b="0" lang="en-US" sz="1800" strike="noStrike">
+                <a:latin typeface="Arial"/>
+                <a:ea typeface="Arial"/>
+                <a:cs typeface="Arial"/>
+                <a:sym typeface="Arial"/>
+              </a:rPr>
+              <a:t>() {</a:t>
+            </a:r>
+            <a:endParaRPr sz="1800"/>
+          </a:p>
+          <a:p>
+            <a:pPr indent="0" lvl="0" marL="0" marR="0" rtl="0" algn="l">
+              <a:spcBef>
+                <a:spcPts val="0"/>
+              </a:spcBef>
+              <a:spcAft>
+                <a:spcPts val="0"/>
+              </a:spcAft>
+              <a:buNone/>
+            </a:pPr>
+            <a:r>
+              <a:rPr lang="en-US" sz="1800"/>
+              <a:t>     int s;</a:t>
+            </a:r>
+            <a:endParaRPr sz="1800"/>
+          </a:p>
+          <a:p>
+            <a:pPr indent="0" lvl="0" marL="0" marR="0" rtl="0" algn="l">
+              <a:spcBef>
+                <a:spcPts val="0"/>
+              </a:spcBef>
+              <a:spcAft>
+                <a:spcPts val="0"/>
+              </a:spcAft>
+              <a:buNone/>
+            </a:pPr>
+            <a:r>
+              <a:rPr lang="en-US" sz="1800"/>
+              <a:t>     s = *(&amp;s - 2);</a:t>
+            </a:r>
+            <a:endParaRPr sz="1800"/>
+          </a:p>
+          <a:p>
+            <a:pPr indent="0" lvl="0" marL="0" marR="0" rtl="0" algn="l">
+              <a:spcBef>
+                <a:spcPts val="0"/>
+              </a:spcBef>
+              <a:spcAft>
+                <a:spcPts val="0"/>
+              </a:spcAft>
+              <a:buNone/>
+            </a:pPr>
+            <a:r>
+              <a:rPr lang="en-US" sz="1800"/>
+              <a:t>}</a:t>
+            </a:r>
+            <a:endParaRPr sz="1800"/>
+          </a:p>
+        </p:txBody>
+      </p:sp>
     </p:spTree>
   </p:cSld>
   <p:clrMapOvr>
     <a:masterClrMapping/>
   </p:clrMapOvr>
+  <p:timing>
+    <p:tnLst>
+      <p:par>
+        <p:cTn dur="indefinite" nodeType="tmRoot" restart="never">
+          <p:childTnLst>
+            <p:seq concurrent="1" nextAc="seek">
+              <p:cTn dur="indefinite" id="2" nodeType="mainSeq">
+                <p:childTnLst>
+                  <p:par>
+                    <p:cTn fill="hold">
+                      <p:stCondLst>
+                        <p:cond delay="indefinite"/>
+                      </p:stCondLst>
+                      <p:childTnLst>
+                        <p:par>
+                          <p:cTn fill="hold">
+                            <p:stCondLst>
+                              <p:cond delay="0"/>
+                            </p:stCondLst>
+                            <p:childTnLst>
+                              <p:par>
+                                <p:cTn fill="hold" nodeType="clickEffect" presetClass="entr" presetID="10" presetSubtype="0">
+                                  <p:stCondLst>
+                                    <p:cond delay="0"/>
+                                  </p:stCondLst>
+                                  <p:childTnLst>
+                                    <p:set>
+                                      <p:cBhvr>
+                                        <p:cTn dur="1" fill="hold">
+                                          <p:stCondLst>
+                                            <p:cond delay="0"/>
+                                          </p:stCondLst>
+                                        </p:cTn>
+                                        <p:tgtEl>
+                                          <p:spTgt spid="224"/>
+                                        </p:tgtEl>
+                                        <p:attrNameLst>
+                                          <p:attrName>style.visibility</p:attrName>
+                                        </p:attrNameLst>
+                                      </p:cBhvr>
+                                      <p:to>
+                                        <p:strVal val="visible"/>
+                                      </p:to>
+                                    </p:set>
+                                    <p:animEffect filter="fade" transition="in">
+                                      <p:cBhvr>
+                                        <p:cTn dur="1000"/>
+                                        <p:tgtEl>
+                                          <p:spTgt spid="224"/>
+                                        </p:tgtEl>
+                                      </p:cBhvr>
+                                    </p:animEffect>
+                                  </p:childTnLst>
+                                </p:cTn>
+                              </p:par>
+                              <p:par>
+                                <p:cTn fill="hold" nodeType="withEffect" presetClass="entr" presetID="10" presetSubtype="0">
+                                  <p:stCondLst>
+                                    <p:cond delay="0"/>
+                                  </p:stCondLst>
+                                  <p:childTnLst>
+                                    <p:set>
+                                      <p:cBhvr>
+                                        <p:cTn dur="1" fill="hold">
+                                          <p:stCondLst>
+                                            <p:cond delay="0"/>
+                                          </p:stCondLst>
+                                        </p:cTn>
+                                        <p:tgtEl>
+                                          <p:spTgt spid="226"/>
+                                        </p:tgtEl>
+                                        <p:attrNameLst>
+                                          <p:attrName>style.visibility</p:attrName>
+                                        </p:attrNameLst>
+                                      </p:cBhvr>
+                                      <p:to>
+                                        <p:strVal val="visible"/>
+                                      </p:to>
+                                    </p:set>
+                                    <p:animEffect filter="fade" transition="in">
+                                      <p:cBhvr>
+                                        <p:cTn dur="1000"/>
+                                        <p:tgtEl>
+                                          <p:spTgt spid="226"/>
+                                        </p:tgtEl>
+                                      </p:cBhvr>
+                                    </p:animEffect>
+                                  </p:childTnLst>
+                                </p:cTn>
+                              </p:par>
+                              <p:par>
+                                <p:cTn fill="hold" nodeType="withEffect" presetClass="entr" presetID="10" presetSubtype="0">
+                                  <p:stCondLst>
+                                    <p:cond delay="0"/>
+                                  </p:stCondLst>
+                                  <p:childTnLst>
+                                    <p:set>
+                                      <p:cBhvr>
+                                        <p:cTn dur="1" fill="hold">
+                                          <p:stCondLst>
+                                            <p:cond delay="0"/>
+                                          </p:stCondLst>
+                                        </p:cTn>
+                                        <p:tgtEl>
+                                          <p:spTgt spid="225"/>
+                                        </p:tgtEl>
+                                        <p:attrNameLst>
+                                          <p:attrName>style.visibility</p:attrName>
+                                        </p:attrNameLst>
+                                      </p:cBhvr>
+                                      <p:to>
+                                        <p:strVal val="visible"/>
+                                      </p:to>
+                                    </p:set>
+                                    <p:animEffect filter="fade" transition="in">
+                                      <p:cBhvr>
+                                        <p:cTn dur="1000"/>
+                                        <p:tgtEl>
+                                          <p:spTgt spid="225"/>
+                                        </p:tgtEl>
+                                      </p:cBhvr>
+                                    </p:animEffect>
+                                  </p:childTnLst>
+                                </p:cTn>
+                              </p:par>
+                            </p:childTnLst>
+                          </p:cTn>
+                        </p:par>
+                      </p:childTnLst>
+                    </p:cTn>
+                  </p:par>
+                  <p:par>
+                    <p:cTn fill="hold">
+                      <p:stCondLst>
+                        <p:cond delay="indefinite"/>
+                      </p:stCondLst>
+                      <p:childTnLst>
+                        <p:par>
+                          <p:cTn fill="hold">
+                            <p:stCondLst>
+                              <p:cond delay="0"/>
+                            </p:stCondLst>
+                            <p:childTnLst>
+                              <p:par>
+                                <p:cTn fill="hold" nodeType="clickEffect" presetClass="exit" presetID="10" presetSubtype="0">
+                                  <p:stCondLst>
+                                    <p:cond delay="0"/>
+                                  </p:stCondLst>
+                                  <p:childTnLst>
+                                    <p:animEffect filter="fade" transition="out">
+                                      <p:cBhvr>
+                                        <p:cTn dur="1000"/>
+                                        <p:tgtEl>
+                                          <p:spTgt spid="224"/>
+                                        </p:tgtEl>
+                                      </p:cBhvr>
+                                    </p:animEffect>
+                                    <p:set>
+                                      <p:cBhvr>
+                                        <p:cTn dur="1" fill="hold">
+                                          <p:stCondLst>
+                                            <p:cond delay="1000"/>
+                                          </p:stCondLst>
+                                        </p:cTn>
+                                        <p:tgtEl>
+                                          <p:spTgt spid="224"/>
+                                        </p:tgtEl>
+                                        <p:attrNameLst>
+                                          <p:attrName>style.visibility</p:attrName>
+                                        </p:attrNameLst>
+                                      </p:cBhvr>
+                                      <p:to>
+                                        <p:strVal val="hidden"/>
+                                      </p:to>
+                                    </p:set>
+                                  </p:childTnLst>
+                                </p:cTn>
+                              </p:par>
+                              <p:par>
+                                <p:cTn fill="hold" nodeType="withEffect" presetClass="exit" presetID="10" presetSubtype="0">
+                                  <p:stCondLst>
+                                    <p:cond delay="0"/>
+                                  </p:stCondLst>
+                                  <p:childTnLst>
+                                    <p:animEffect filter="fade" transition="out">
+                                      <p:cBhvr>
+                                        <p:cTn dur="1000"/>
+                                        <p:tgtEl>
+                                          <p:spTgt spid="226"/>
+                                        </p:tgtEl>
+                                      </p:cBhvr>
+                                    </p:animEffect>
+                                    <p:set>
+                                      <p:cBhvr>
+                                        <p:cTn dur="1" fill="hold">
+                                          <p:stCondLst>
+                                            <p:cond delay="1000"/>
+                                          </p:stCondLst>
+                                        </p:cTn>
+                                        <p:tgtEl>
+                                          <p:spTgt spid="226"/>
+                                        </p:tgtEl>
+                                        <p:attrNameLst>
+                                          <p:attrName>style.visibility</p:attrName>
+                                        </p:attrNameLst>
+                                      </p:cBhvr>
+                                      <p:to>
+                                        <p:strVal val="hidden"/>
+                                      </p:to>
+                                    </p:set>
+                                  </p:childTnLst>
+                                </p:cTn>
+                              </p:par>
+                            </p:childTnLst>
+                          </p:cTn>
+                        </p:par>
+                      </p:childTnLst>
+                    </p:cTn>
+                  </p:par>
+                  <p:par>
+                    <p:cTn fill="hold">
+                      <p:stCondLst>
+                        <p:cond delay="indefinite"/>
+                      </p:stCondLst>
+                      <p:childTnLst>
+                        <p:par>
+                          <p:cTn fill="hold">
+                            <p:stCondLst>
+                              <p:cond delay="0"/>
+                            </p:stCondLst>
+                            <p:childTnLst>
+                              <p:par>
+                                <p:cTn fill="hold" nodeType="clickEffect" presetClass="entr" presetID="10" presetSubtype="0">
+                                  <p:stCondLst>
+                                    <p:cond delay="0"/>
+                                  </p:stCondLst>
+                                  <p:childTnLst>
+                                    <p:set>
+                                      <p:cBhvr>
+                                        <p:cTn dur="1" fill="hold">
+                                          <p:stCondLst>
+                                            <p:cond delay="0"/>
+                                          </p:stCondLst>
+                                        </p:cTn>
+                                        <p:tgtEl>
+                                          <p:spTgt spid="228"/>
+                                        </p:tgtEl>
+                                        <p:attrNameLst>
+                                          <p:attrName>style.visibility</p:attrName>
+                                        </p:attrNameLst>
+                                      </p:cBhvr>
+                                      <p:to>
+                                        <p:strVal val="visible"/>
+                                      </p:to>
+                                    </p:set>
+                                    <p:animEffect filter="fade" transition="in">
+                                      <p:cBhvr>
+                                        <p:cTn dur="1000"/>
+                                        <p:tgtEl>
+                                          <p:spTgt spid="228"/>
+                                        </p:tgtEl>
+                                      </p:cBhvr>
+                                    </p:animEffect>
+                                  </p:childTnLst>
+                                </p:cTn>
+                              </p:par>
+                              <p:par>
+                                <p:cTn fill="hold" nodeType="withEffect" presetClass="entr" presetID="10" presetSubtype="0">
+                                  <p:stCondLst>
+                                    <p:cond delay="0"/>
+                                  </p:stCondLst>
+                                  <p:childTnLst>
+                                    <p:set>
+                                      <p:cBhvr>
+                                        <p:cTn dur="1" fill="hold">
+                                          <p:stCondLst>
+                                            <p:cond delay="0"/>
+                                          </p:stCondLst>
+                                        </p:cTn>
+                                        <p:tgtEl>
+                                          <p:spTgt spid="227"/>
+                                        </p:tgtEl>
+                                        <p:attrNameLst>
+                                          <p:attrName>style.visibility</p:attrName>
+                                        </p:attrNameLst>
+                                      </p:cBhvr>
+                                      <p:to>
+                                        <p:strVal val="visible"/>
+                                      </p:to>
+                                    </p:set>
+                                    <p:animEffect filter="fade" transition="in">
+                                      <p:cBhvr>
+                                        <p:cTn dur="1000"/>
+                                        <p:tgtEl>
+                                          <p:spTgt spid="227"/>
+                                        </p:tgtEl>
+                                      </p:cBhvr>
+                                    </p:animEffect>
+                                  </p:childTnLst>
+                                </p:cTn>
+                              </p:par>
+                            </p:childTnLst>
+                          </p:cTn>
+                        </p:par>
+                      </p:childTnLst>
+                    </p:cTn>
+                  </p:par>
+                </p:childTnLst>
+              </p:cTn>
+              <p:prevCondLst>
+                <p:cond evt="onPrev">
+                  <p:tgtEl>
+                    <p:sldTgt/>
+                  </p:tgtEl>
+                </p:cond>
+              </p:prevCondLst>
+              <p:nextCondLst>
+                <p:cond evt="onNext">
+                  <p:tgtEl>
+                    <p:sldTgt/>
+                  </p:tgtEl>
+                </p:cond>
+              </p:nextCondLst>
+            </p:seq>
+          </p:childTnLst>
+        </p:cTn>
+      </p:par>
+    </p:tnLst>
+  </p:timing>
 </p:sld>
 </file>
 
@@ -16787,7 +19090,7 @@
   <p:cSld>
     <p:spTree>
       <p:nvGrpSpPr>
-        <p:cNvPr id="222" name="Shape 222"/>
+        <p:cNvPr id="235" name="Shape 235"/>
         <p:cNvGrpSpPr/>
         <p:nvPr/>
       </p:nvGrpSpPr>
@@ -16801,7 +19104,7 @@
       </p:grpSpPr>
       <p:sp>
         <p:nvSpPr>
-          <p:cNvPr id="223" name="Google Shape;223;p22"/>
+          <p:cNvPr id="236" name="Google Shape;236;p22"/>
           <p:cNvSpPr txBox="1"/>
           <p:nvPr/>
         </p:nvSpPr>
@@ -16853,7 +19156,7 @@
       </p:sp>
       <p:sp>
         <p:nvSpPr>
-          <p:cNvPr id="224" name="Google Shape;224;p22"/>
+          <p:cNvPr id="237" name="Google Shape;237;p22"/>
           <p:cNvSpPr txBox="1"/>
           <p:nvPr/>
         </p:nvSpPr>
